--- a/Task1-BlackbodyRadiationFitting/-.pptx
+++ b/Task1-BlackbodyRadiationFitting/-.pptx
@@ -11,14 +11,22 @@
     <p:sldId id="260" r:id="rId5"/>
     <p:sldId id="259" r:id="rId6"/>
     <p:sldId id="261" r:id="rId7"/>
-    <p:sldId id="269" r:id="rId8"/>
-    <p:sldId id="262" r:id="rId9"/>
-    <p:sldId id="270" r:id="rId10"/>
-    <p:sldId id="263" r:id="rId11"/>
-    <p:sldId id="264" r:id="rId12"/>
-    <p:sldId id="265" r:id="rId13"/>
-    <p:sldId id="266" r:id="rId14"/>
-    <p:sldId id="267" r:id="rId15"/>
+    <p:sldId id="271" r:id="rId8"/>
+    <p:sldId id="272" r:id="rId9"/>
+    <p:sldId id="278" r:id="rId10"/>
+    <p:sldId id="269" r:id="rId11"/>
+    <p:sldId id="262" r:id="rId12"/>
+    <p:sldId id="270" r:id="rId13"/>
+    <p:sldId id="263" r:id="rId14"/>
+    <p:sldId id="277" r:id="rId15"/>
+    <p:sldId id="276" r:id="rId16"/>
+    <p:sldId id="264" r:id="rId17"/>
+    <p:sldId id="275" r:id="rId18"/>
+    <p:sldId id="265" r:id="rId19"/>
+    <p:sldId id="274" r:id="rId20"/>
+    <p:sldId id="273" r:id="rId21"/>
+    <p:sldId id="266" r:id="rId22"/>
+    <p:sldId id="267" r:id="rId23"/>
   </p:sldIdLst>
   <p:sldSz cx="12192000" cy="6858000"/>
   <p:notesSz cx="6858000" cy="9144000"/>
@@ -311,7 +319,7 @@
           <a:p>
             <a:fld id="{E548E61B-6CFC-4C6C-B903-8E3FD7FB6D2A}" type="datetimeFigureOut">
               <a:rPr lang="el-GR" smtClean="0"/>
-              <a:t>17/5/2023</a:t>
+              <a:t>18/5/2023</a:t>
             </a:fld>
             <a:endParaRPr lang="el-GR" dirty="0"/>
           </a:p>
@@ -585,7 +593,7 @@
           <a:p>
             <a:fld id="{E548E61B-6CFC-4C6C-B903-8E3FD7FB6D2A}" type="datetimeFigureOut">
               <a:rPr lang="el-GR" smtClean="0"/>
-              <a:t>17/5/2023</a:t>
+              <a:t>18/5/2023</a:t>
             </a:fld>
             <a:endParaRPr lang="el-GR" dirty="0"/>
           </a:p>
@@ -779,7 +787,7 @@
           <a:p>
             <a:fld id="{E548E61B-6CFC-4C6C-B903-8E3FD7FB6D2A}" type="datetimeFigureOut">
               <a:rPr lang="el-GR" smtClean="0"/>
-              <a:t>17/5/2023</a:t>
+              <a:t>18/5/2023</a:t>
             </a:fld>
             <a:endParaRPr lang="el-GR" dirty="0"/>
           </a:p>
@@ -1052,7 +1060,7 @@
           <a:p>
             <a:fld id="{E548E61B-6CFC-4C6C-B903-8E3FD7FB6D2A}" type="datetimeFigureOut">
               <a:rPr lang="el-GR" smtClean="0"/>
-              <a:t>17/5/2023</a:t>
+              <a:t>18/5/2023</a:t>
             </a:fld>
             <a:endParaRPr lang="el-GR" dirty="0"/>
           </a:p>
@@ -1393,7 +1401,7 @@
           <a:p>
             <a:fld id="{E548E61B-6CFC-4C6C-B903-8E3FD7FB6D2A}" type="datetimeFigureOut">
               <a:rPr lang="el-GR" smtClean="0"/>
-              <a:t>17/5/2023</a:t>
+              <a:t>18/5/2023</a:t>
             </a:fld>
             <a:endParaRPr lang="el-GR" dirty="0"/>
           </a:p>
@@ -2016,7 +2024,7 @@
           <a:p>
             <a:fld id="{E548E61B-6CFC-4C6C-B903-8E3FD7FB6D2A}" type="datetimeFigureOut">
               <a:rPr lang="el-GR" smtClean="0"/>
-              <a:t>17/5/2023</a:t>
+              <a:t>18/5/2023</a:t>
             </a:fld>
             <a:endParaRPr lang="el-GR" dirty="0"/>
           </a:p>
@@ -2873,7 +2881,7 @@
           <a:p>
             <a:fld id="{E548E61B-6CFC-4C6C-B903-8E3FD7FB6D2A}" type="datetimeFigureOut">
               <a:rPr lang="el-GR" smtClean="0"/>
-              <a:t>17/5/2023</a:t>
+              <a:t>18/5/2023</a:t>
             </a:fld>
             <a:endParaRPr lang="el-GR" dirty="0"/>
           </a:p>
@@ -3043,7 +3051,7 @@
           <a:p>
             <a:fld id="{E548E61B-6CFC-4C6C-B903-8E3FD7FB6D2A}" type="datetimeFigureOut">
               <a:rPr lang="el-GR" smtClean="0"/>
-              <a:t>17/5/2023</a:t>
+              <a:t>18/5/2023</a:t>
             </a:fld>
             <a:endParaRPr lang="el-GR" dirty="0"/>
           </a:p>
@@ -3223,7 +3231,7 @@
           <a:p>
             <a:fld id="{E548E61B-6CFC-4C6C-B903-8E3FD7FB6D2A}" type="datetimeFigureOut">
               <a:rPr lang="el-GR" smtClean="0"/>
-              <a:t>17/5/2023</a:t>
+              <a:t>18/5/2023</a:t>
             </a:fld>
             <a:endParaRPr lang="el-GR" dirty="0"/>
           </a:p>
@@ -3393,7 +3401,7 @@
           <a:p>
             <a:fld id="{E548E61B-6CFC-4C6C-B903-8E3FD7FB6D2A}" type="datetimeFigureOut">
               <a:rPr lang="el-GR" smtClean="0"/>
-              <a:t>17/5/2023</a:t>
+              <a:t>18/5/2023</a:t>
             </a:fld>
             <a:endParaRPr lang="el-GR" dirty="0"/>
           </a:p>
@@ -3640,7 +3648,7 @@
           <a:p>
             <a:fld id="{E548E61B-6CFC-4C6C-B903-8E3FD7FB6D2A}" type="datetimeFigureOut">
               <a:rPr lang="el-GR" smtClean="0"/>
-              <a:t>17/5/2023</a:t>
+              <a:t>18/5/2023</a:t>
             </a:fld>
             <a:endParaRPr lang="el-GR" dirty="0"/>
           </a:p>
@@ -3932,7 +3940,7 @@
           <a:p>
             <a:fld id="{E548E61B-6CFC-4C6C-B903-8E3FD7FB6D2A}" type="datetimeFigureOut">
               <a:rPr lang="el-GR" smtClean="0"/>
-              <a:t>17/5/2023</a:t>
+              <a:t>18/5/2023</a:t>
             </a:fld>
             <a:endParaRPr lang="el-GR" dirty="0"/>
           </a:p>
@@ -4376,7 +4384,7 @@
           <a:p>
             <a:fld id="{E548E61B-6CFC-4C6C-B903-8E3FD7FB6D2A}" type="datetimeFigureOut">
               <a:rPr lang="el-GR" smtClean="0"/>
-              <a:t>17/5/2023</a:t>
+              <a:t>18/5/2023</a:t>
             </a:fld>
             <a:endParaRPr lang="el-GR" dirty="0"/>
           </a:p>
@@ -4494,7 +4502,7 @@
           <a:p>
             <a:fld id="{E548E61B-6CFC-4C6C-B903-8E3FD7FB6D2A}" type="datetimeFigureOut">
               <a:rPr lang="el-GR" smtClean="0"/>
-              <a:t>17/5/2023</a:t>
+              <a:t>18/5/2023</a:t>
             </a:fld>
             <a:endParaRPr lang="el-GR" dirty="0"/>
           </a:p>
@@ -4589,7 +4597,7 @@
           <a:p>
             <a:fld id="{E548E61B-6CFC-4C6C-B903-8E3FD7FB6D2A}" type="datetimeFigureOut">
               <a:rPr lang="el-GR" smtClean="0"/>
-              <a:t>17/5/2023</a:t>
+              <a:t>18/5/2023</a:t>
             </a:fld>
             <a:endParaRPr lang="el-GR" dirty="0"/>
           </a:p>
@@ -4868,7 +4876,7 @@
           <a:p>
             <a:fld id="{E548E61B-6CFC-4C6C-B903-8E3FD7FB6D2A}" type="datetimeFigureOut">
               <a:rPr lang="el-GR" smtClean="0"/>
-              <a:t>17/5/2023</a:t>
+              <a:t>18/5/2023</a:t>
             </a:fld>
             <a:endParaRPr lang="el-GR" dirty="0"/>
           </a:p>
@@ -5142,7 +5150,7 @@
           <a:p>
             <a:fld id="{E548E61B-6CFC-4C6C-B903-8E3FD7FB6D2A}" type="datetimeFigureOut">
               <a:rPr lang="el-GR" smtClean="0"/>
-              <a:t>17/5/2023</a:t>
+              <a:t>18/5/2023</a:t>
             </a:fld>
             <a:endParaRPr lang="el-GR" dirty="0"/>
           </a:p>
@@ -5571,7 +5579,7 @@
           <a:p>
             <a:fld id="{E548E61B-6CFC-4C6C-B903-8E3FD7FB6D2A}" type="datetimeFigureOut">
               <a:rPr lang="el-GR" smtClean="0"/>
-              <a:t>17/5/2023</a:t>
+              <a:t>18/5/2023</a:t>
             </a:fld>
             <a:endParaRPr lang="el-GR" dirty="0"/>
           </a:p>
@@ -7003,10 +7011,10 @@
       </p:grpSpPr>
       <p:sp>
         <p:nvSpPr>
-          <p:cNvPr id="2" name="Title 1">
+          <p:cNvPr id="2" name="Τίτλος 1">
             <a:extLst>
               <a:ext uri="{FF2B5EF4-FFF2-40B4-BE49-F238E27FC236}">
-                <a16:creationId xmlns:a16="http://schemas.microsoft.com/office/drawing/2014/main" id="{453B7DAB-0D4E-9647-B04B-5733F875AB81}"/>
+                <a16:creationId xmlns:a16="http://schemas.microsoft.com/office/drawing/2014/main" id="{B51348B4-AC9E-CDC0-3BBD-3896D7B68877}"/>
               </a:ext>
             </a:extLst>
           </p:cNvPr>
@@ -7022,16 +7030,16 @@
           <a:bodyPr/>
           <a:lstStyle/>
           <a:p>
-            <a:endParaRPr lang="el-GR"/>
-          </a:p>
-        </p:txBody>
-      </p:sp>
-      <p:sp>
-        <p:nvSpPr>
-          <p:cNvPr id="3" name="Content Placeholder 2">
+            <a:endParaRPr lang="en-US" dirty="0"/>
+          </a:p>
+        </p:txBody>
+      </p:sp>
+      <p:sp>
+        <p:nvSpPr>
+          <p:cNvPr id="3" name="Θέση περιεχομένου 2">
             <a:extLst>
               <a:ext uri="{FF2B5EF4-FFF2-40B4-BE49-F238E27FC236}">
-                <a16:creationId xmlns:a16="http://schemas.microsoft.com/office/drawing/2014/main" id="{CD4E755E-2F12-D2E5-F50C-7EC750EEE5ED}"/>
+                <a16:creationId xmlns:a16="http://schemas.microsoft.com/office/drawing/2014/main" id="{935AA49A-6E2F-79C4-8CBB-56789E8C8E93}"/>
               </a:ext>
             </a:extLst>
           </p:cNvPr>
@@ -7047,16 +7055,16 @@
           <a:bodyPr/>
           <a:lstStyle/>
           <a:p>
-            <a:endParaRPr lang="el-GR"/>
+            <a:endParaRPr lang="en-US" dirty="0"/>
           </a:p>
         </p:txBody>
       </p:sp>
       <p:pic>
         <p:nvPicPr>
-          <p:cNvPr id="7" name="Picture 6">
+          <p:cNvPr id="19" name="Εικόνα 18">
             <a:extLst>
               <a:ext uri="{FF2B5EF4-FFF2-40B4-BE49-F238E27FC236}">
-                <a16:creationId xmlns:a16="http://schemas.microsoft.com/office/drawing/2014/main" id="{C90F9F1E-FFE5-6C99-1D27-86963FADB755}"/>
+                <a16:creationId xmlns:a16="http://schemas.microsoft.com/office/drawing/2014/main" id="{215D8951-28B8-BFDD-33D6-C5D3EFAB9BE4}"/>
               </a:ext>
             </a:extLst>
           </p:cNvPr>
@@ -7073,8 +7081,8 @@
         </p:blipFill>
         <p:spPr>
           <a:xfrm>
-            <a:off x="128587" y="352425"/>
-            <a:ext cx="11934825" cy="6153150"/>
+            <a:off x="-76912" y="252162"/>
+            <a:ext cx="12268912" cy="6353676"/>
           </a:xfrm>
           <a:prstGeom prst="rect">
             <a:avLst/>
@@ -7084,7 +7092,7 @@
     </p:spTree>
     <p:extLst>
       <p:ext uri="{BB962C8B-B14F-4D97-AF65-F5344CB8AC3E}">
-        <p14:creationId xmlns:p14="http://schemas.microsoft.com/office/powerpoint/2010/main" val="1058367128"/>
+        <p14:creationId xmlns:p14="http://schemas.microsoft.com/office/powerpoint/2010/main" val="733503011"/>
       </p:ext>
     </p:extLst>
   </p:cSld>
@@ -7116,7 +7124,7 @@
           <p:cNvPr id="2" name="Title 1">
             <a:extLst>
               <a:ext uri="{FF2B5EF4-FFF2-40B4-BE49-F238E27FC236}">
-                <a16:creationId xmlns:a16="http://schemas.microsoft.com/office/drawing/2014/main" id="{16ED706C-BD1E-FF84-1D67-0DC23CC2AA7C}"/>
+                <a16:creationId xmlns:a16="http://schemas.microsoft.com/office/drawing/2014/main" id="{32BDFBDA-32DB-AA4B-CFCC-40EB070FF37C}"/>
               </a:ext>
             </a:extLst>
           </p:cNvPr>
@@ -7134,8 +7142,11 @@
           <a:p>
             <a:r>
               <a:rPr lang="el-GR" sz="4400" dirty="0"/>
-              <a:t>Αφαίρεση Φασματικών Γραμμών-Μέθοδος «Κλίσης»</a:t>
-            </a:r>
+              <a:t>Αφαίρεση Φασματικών Γραμμών – Μέθοδος «Όρια Τιμών»</a:t>
+            </a:r>
+            <a:br>
+              <a:rPr lang="el-GR" sz="4400" dirty="0"/>
+            </a:br>
             <a:endParaRPr lang="el-GR" dirty="0"/>
           </a:p>
         </p:txBody>
@@ -7145,7 +7156,7 @@
           <p:cNvPr id="3" name="Content Placeholder 2">
             <a:extLst>
               <a:ext uri="{FF2B5EF4-FFF2-40B4-BE49-F238E27FC236}">
-                <a16:creationId xmlns:a16="http://schemas.microsoft.com/office/drawing/2014/main" id="{EA1BB479-7E4B-0D66-73F2-88A462244730}"/>
+                <a16:creationId xmlns:a16="http://schemas.microsoft.com/office/drawing/2014/main" id="{9572B816-5022-9400-AF22-1CCEA0AFD31A}"/>
               </a:ext>
             </a:extLst>
           </p:cNvPr>
@@ -7158,20 +7169,26 @@
         </p:nvSpPr>
         <p:spPr/>
         <p:txBody>
-          <a:bodyPr>
-            <a:normAutofit lnSpcReduction="10000"/>
-          </a:bodyPr>
+          <a:bodyPr/>
           <a:lstStyle/>
           <a:p>
             <a:r>
               <a:rPr lang="el-GR" dirty="0"/>
-              <a:t>Αυτή η μέθοδος εντοπίζει μια φασματική γραμμή ανιχνεύοντας σημεία του σήματος που έχουν πιο απότομη κλίση από τις υπόλοιπες, είτε θετική, είτε αρνητική.</a:t>
+              <a:t>Αυτή η μέθοδος εντοπίζει μια φασματική γραμμή ανιχνεύοντας τιμές του σήματος που απέχουν περισσότερο από τις πιο συχνές τιμές.</a:t>
             </a:r>
           </a:p>
           <a:p>
             <a:r>
               <a:rPr lang="el-GR" dirty="0"/>
-              <a:t>Ανάλογα με το πλήθος των σημείων η κλίση ανάμεσα σε διαδοχικά σημεία μπορεί να είναι πολύ μικρή. Οπότε για να μπορέσουμε να συγκρίνουμε αποτελεσματικά τα σημεία υπολογίζουμε την κλίση ανάλογα με το πλήθος των σημείων. Πχ. Ανά πλήθος/10 σημεία.</a:t>
+              <a:t>Για να μπορέσουμε να συγκρίνουμε τις τιμές μεταξύ τους πρέπει να </a:t>
+            </a:r>
+            <a:r>
+              <a:rPr lang="el-GR" dirty="0" err="1"/>
+              <a:t>κανονικοποιήσουμε</a:t>
+            </a:r>
+            <a:r>
+              <a:rPr lang="el-GR" dirty="0"/>
+              <a:t> το σήμα. Οπότε υπολογίζουμε μια προσέγγιση και την αφαιρούμε από το σήμα. </a:t>
             </a:r>
           </a:p>
           <a:p>
@@ -7183,27 +7200,15 @@
           <a:p>
             <a:r>
               <a:rPr lang="el-GR" dirty="0"/>
-              <a:t>Με την βοήθεια του ορισμένου διαστήματος βρίσκουμε *τα δύο μεγαλύτερα συνεκτικά διαστήματα σημείων εκτός των μεσαίων τιμών, τα οποία αν ενωθούν είναι και η φασματική γραμμή </a:t>
-            </a:r>
-          </a:p>
-          <a:p>
-            <a:pPr marL="0" indent="0">
-              <a:buNone/>
-            </a:pPr>
-            <a:r>
-              <a:rPr lang="el-GR" dirty="0"/>
-              <a:t>*Αυτό λογικά θα αλλάξει γιατί δεν έχει πάντα σωστό αποτέλεσμα</a:t>
-            </a:r>
-          </a:p>
-          <a:p>
-            <a:endParaRPr lang="el-GR" dirty="0"/>
+              <a:t>Με την βοήθεια του ορισμένου διαστήματος βρίσκουμε το μεγαλύτερο συνεκτικό διάστημα σημείων εκτός των μεσαίων τιμών, το οποίο είναι και η φασματική γραμμή </a:t>
+            </a:r>
           </a:p>
         </p:txBody>
       </p:sp>
     </p:spTree>
     <p:extLst>
       <p:ext uri="{BB962C8B-B14F-4D97-AF65-F5344CB8AC3E}">
-        <p14:creationId xmlns:p14="http://schemas.microsoft.com/office/powerpoint/2010/main" val="1200604244"/>
+        <p14:creationId xmlns:p14="http://schemas.microsoft.com/office/powerpoint/2010/main" val="3438613273"/>
       </p:ext>
     </p:extLst>
   </p:cSld>
@@ -7232,10 +7237,10 @@
       </p:grpSpPr>
       <p:sp>
         <p:nvSpPr>
-          <p:cNvPr id="2" name="Title 1">
+          <p:cNvPr id="2" name="Τίτλος 1">
             <a:extLst>
               <a:ext uri="{FF2B5EF4-FFF2-40B4-BE49-F238E27FC236}">
-                <a16:creationId xmlns:a16="http://schemas.microsoft.com/office/drawing/2014/main" id="{2F274298-9915-DEC7-3BD6-DE329CA05BCE}"/>
+                <a16:creationId xmlns:a16="http://schemas.microsoft.com/office/drawing/2014/main" id="{D9B4BAD8-C528-FCDB-3289-845789EB6D46}"/>
               </a:ext>
             </a:extLst>
           </p:cNvPr>
@@ -7251,16 +7256,16 @@
           <a:bodyPr/>
           <a:lstStyle/>
           <a:p>
-            <a:endParaRPr lang="el-GR"/>
-          </a:p>
-        </p:txBody>
-      </p:sp>
-      <p:sp>
-        <p:nvSpPr>
-          <p:cNvPr id="3" name="Content Placeholder 2">
+            <a:endParaRPr lang="en-US"/>
+          </a:p>
+        </p:txBody>
+      </p:sp>
+      <p:sp>
+        <p:nvSpPr>
+          <p:cNvPr id="3" name="Θέση περιεχομένου 2">
             <a:extLst>
               <a:ext uri="{FF2B5EF4-FFF2-40B4-BE49-F238E27FC236}">
-                <a16:creationId xmlns:a16="http://schemas.microsoft.com/office/drawing/2014/main" id="{BC5E1DAB-E4B6-DDF8-0A89-F56A36E31B2A}"/>
+                <a16:creationId xmlns:a16="http://schemas.microsoft.com/office/drawing/2014/main" id="{905C3407-A3A1-6515-E269-755FEE43EFD1}"/>
               </a:ext>
             </a:extLst>
           </p:cNvPr>
@@ -7276,16 +7281,16 @@
           <a:bodyPr/>
           <a:lstStyle/>
           <a:p>
-            <a:endParaRPr lang="el-GR"/>
+            <a:endParaRPr lang="en-US"/>
           </a:p>
         </p:txBody>
       </p:sp>
       <p:pic>
         <p:nvPicPr>
-          <p:cNvPr id="7" name="Picture 6">
+          <p:cNvPr id="6" name="Εικόνα 5">
             <a:extLst>
               <a:ext uri="{FF2B5EF4-FFF2-40B4-BE49-F238E27FC236}">
-                <a16:creationId xmlns:a16="http://schemas.microsoft.com/office/drawing/2014/main" id="{65D611C0-D1B4-9719-9B42-9784CC844E2B}"/>
+                <a16:creationId xmlns:a16="http://schemas.microsoft.com/office/drawing/2014/main" id="{0572B5C6-A21A-4602-9B50-CB16909239DF}"/>
               </a:ext>
             </a:extLst>
           </p:cNvPr>
@@ -7302,8 +7307,8 @@
         </p:blipFill>
         <p:spPr>
           <a:xfrm>
-            <a:off x="104775" y="414337"/>
-            <a:ext cx="11982450" cy="6029325"/>
+            <a:off x="0" y="294857"/>
+            <a:ext cx="12192000" cy="6268286"/>
           </a:xfrm>
           <a:prstGeom prst="rect">
             <a:avLst/>
@@ -7313,7 +7318,7 @@
     </p:spTree>
     <p:extLst>
       <p:ext uri="{BB962C8B-B14F-4D97-AF65-F5344CB8AC3E}">
-        <p14:creationId xmlns:p14="http://schemas.microsoft.com/office/powerpoint/2010/main" val="3927654546"/>
+        <p14:creationId xmlns:p14="http://schemas.microsoft.com/office/powerpoint/2010/main" val="2801982286"/>
       </p:ext>
     </p:extLst>
   </p:cSld>
@@ -7345,7 +7350,7 @@
           <p:cNvPr id="2" name="Title 1">
             <a:extLst>
               <a:ext uri="{FF2B5EF4-FFF2-40B4-BE49-F238E27FC236}">
-                <a16:creationId xmlns:a16="http://schemas.microsoft.com/office/drawing/2014/main" id="{D4DFF5B0-B128-17D4-CC81-FFEF9C52E2F5}"/>
+                <a16:creationId xmlns:a16="http://schemas.microsoft.com/office/drawing/2014/main" id="{453B7DAB-0D4E-9647-B04B-5733F875AB81}"/>
               </a:ext>
             </a:extLst>
           </p:cNvPr>
@@ -7361,10 +7366,7 @@
           <a:bodyPr/>
           <a:lstStyle/>
           <a:p>
-            <a:r>
-              <a:rPr lang="el-GR" dirty="0"/>
-              <a:t>Υπολογισμός Σφαλμάτων</a:t>
-            </a:r>
+            <a:endParaRPr lang="el-GR"/>
           </a:p>
         </p:txBody>
       </p:sp>
@@ -7373,7 +7375,7 @@
           <p:cNvPr id="3" name="Content Placeholder 2">
             <a:extLst>
               <a:ext uri="{FF2B5EF4-FFF2-40B4-BE49-F238E27FC236}">
-                <a16:creationId xmlns:a16="http://schemas.microsoft.com/office/drawing/2014/main" id="{40E52B41-EB11-D057-1C48-ABBD976D0F22}"/>
+                <a16:creationId xmlns:a16="http://schemas.microsoft.com/office/drawing/2014/main" id="{CD4E755E-2F12-D2E5-F50C-7EC750EEE5ED}"/>
               </a:ext>
             </a:extLst>
           </p:cNvPr>
@@ -7389,74 +7391,44 @@
           <a:bodyPr/>
           <a:lstStyle/>
           <a:p>
-            <a:r>
-              <a:rPr lang="el-GR" dirty="0"/>
-              <a:t>Συγκρίνουμε τις μεθόδους και τα ταιριάσματα που χρησιμοποιήσαμε για να δούμε ποια είναι καλύτερη.</a:t>
-            </a:r>
-          </a:p>
-          <a:p>
-            <a:r>
-              <a:rPr lang="el-GR" dirty="0"/>
-              <a:t>Το σφάλμα στο ταίριασμα ολόκληρου του σήματος είναι πολύ μικρό, οπότε υπολογίζουμε το σφάλμα σε περιοχές κοντά σε φασματικές ακτίνες (+/- 0.5 </a:t>
-            </a:r>
-            <a:r>
-              <a:rPr lang="en-US" dirty="0"/>
-              <a:t>GHz</a:t>
-            </a:r>
-            <a:r>
-              <a:rPr lang="el-GR" dirty="0"/>
-              <a:t> από την κορυφή τους) και κρατάμε το μεγαλύτερο</a:t>
-            </a:r>
-          </a:p>
-          <a:p>
-            <a:r>
-              <a:rPr lang="el-GR" dirty="0"/>
-              <a:t>Μέθοδοι: Όριο Τιμών, Κλίσης</a:t>
-            </a:r>
-          </a:p>
-          <a:p>
-            <a:r>
-              <a:rPr lang="el-GR" dirty="0"/>
-              <a:t>Ταιριάσματα </a:t>
-            </a:r>
-            <a:r>
-              <a:rPr lang="en-US" dirty="0"/>
-              <a:t>(Fits)</a:t>
-            </a:r>
-            <a:r>
-              <a:rPr lang="el-GR" dirty="0"/>
-              <a:t>: </a:t>
-            </a:r>
-            <a:r>
-              <a:rPr lang="en-US" dirty="0"/>
-              <a:t>Blackbody Radiation, Quadratic, Generic Continuum</a:t>
-            </a:r>
-          </a:p>
-          <a:p>
-            <a:r>
-              <a:rPr lang="el-GR" dirty="0"/>
-              <a:t>Σήμα:</a:t>
-            </a:r>
-            <a:r>
-              <a:rPr lang="en-US" dirty="0"/>
-              <a:t> Blackbody Radiation </a:t>
-            </a:r>
-            <a:r>
-              <a:rPr lang="el-GR" dirty="0"/>
-              <a:t>με </a:t>
-            </a:r>
-            <a:r>
-              <a:rPr lang="en-US" dirty="0"/>
-              <a:t>T = 1e4K</a:t>
-            </a:r>
-            <a:endParaRPr lang="el-GR" dirty="0"/>
-          </a:p>
-        </p:txBody>
-      </p:sp>
+            <a:endParaRPr lang="el-GR"/>
+          </a:p>
+        </p:txBody>
+      </p:sp>
+      <p:pic>
+        <p:nvPicPr>
+          <p:cNvPr id="5" name="Εικόνα 4">
+            <a:extLst>
+              <a:ext uri="{FF2B5EF4-FFF2-40B4-BE49-F238E27FC236}">
+                <a16:creationId xmlns:a16="http://schemas.microsoft.com/office/drawing/2014/main" id="{83C1F081-A752-EE7B-AFE8-21F067058C84}"/>
+              </a:ext>
+            </a:extLst>
+          </p:cNvPr>
+          <p:cNvPicPr>
+            <a:picLocks noChangeAspect="1"/>
+          </p:cNvPicPr>
+          <p:nvPr/>
+        </p:nvPicPr>
+        <p:blipFill>
+          <a:blip r:embed="rId2"/>
+          <a:stretch>
+            <a:fillRect/>
+          </a:stretch>
+        </p:blipFill>
+        <p:spPr>
+          <a:xfrm>
+            <a:off x="0" y="272077"/>
+            <a:ext cx="12192000" cy="6313846"/>
+          </a:xfrm>
+          <a:prstGeom prst="rect">
+            <a:avLst/>
+          </a:prstGeom>
+        </p:spPr>
+      </p:pic>
     </p:spTree>
     <p:extLst>
       <p:ext uri="{BB962C8B-B14F-4D97-AF65-F5344CB8AC3E}">
-        <p14:creationId xmlns:p14="http://schemas.microsoft.com/office/powerpoint/2010/main" val="2934450851"/>
+        <p14:creationId xmlns:p14="http://schemas.microsoft.com/office/powerpoint/2010/main" val="1058367128"/>
       </p:ext>
     </p:extLst>
   </p:cSld>
@@ -7485,10 +7457,10 @@
       </p:grpSpPr>
       <p:sp>
         <p:nvSpPr>
-          <p:cNvPr id="2" name="Title 1">
+          <p:cNvPr id="2" name="Τίτλος 1">
             <a:extLst>
               <a:ext uri="{FF2B5EF4-FFF2-40B4-BE49-F238E27FC236}">
-                <a16:creationId xmlns:a16="http://schemas.microsoft.com/office/drawing/2014/main" id="{5B2147CC-BFD2-061D-8FE2-0B002B5CE936}"/>
+                <a16:creationId xmlns:a16="http://schemas.microsoft.com/office/drawing/2014/main" id="{4779D600-B26E-EC3F-B368-B44AD4937A07}"/>
               </a:ext>
             </a:extLst>
           </p:cNvPr>
@@ -7504,16 +7476,16 @@
           <a:bodyPr/>
           <a:lstStyle/>
           <a:p>
-            <a:endParaRPr lang="el-GR"/>
-          </a:p>
-        </p:txBody>
-      </p:sp>
-      <p:sp>
-        <p:nvSpPr>
-          <p:cNvPr id="3" name="Content Placeholder 2">
+            <a:endParaRPr lang="en-US"/>
+          </a:p>
+        </p:txBody>
+      </p:sp>
+      <p:sp>
+        <p:nvSpPr>
+          <p:cNvPr id="3" name="Θέση περιεχομένου 2">
             <a:extLst>
               <a:ext uri="{FF2B5EF4-FFF2-40B4-BE49-F238E27FC236}">
-                <a16:creationId xmlns:a16="http://schemas.microsoft.com/office/drawing/2014/main" id="{5CDE983C-83C2-FB85-9CA2-93BDCA5EDF5B}"/>
+                <a16:creationId xmlns:a16="http://schemas.microsoft.com/office/drawing/2014/main" id="{0447691A-B004-839C-8A25-5A7CAC895931}"/>
               </a:ext>
             </a:extLst>
           </p:cNvPr>
@@ -7529,16 +7501,16 @@
           <a:bodyPr/>
           <a:lstStyle/>
           <a:p>
-            <a:endParaRPr lang="el-GR"/>
+            <a:endParaRPr lang="en-US"/>
           </a:p>
         </p:txBody>
       </p:sp>
       <p:pic>
         <p:nvPicPr>
-          <p:cNvPr id="5" name="Picture 4">
+          <p:cNvPr id="5" name="Εικόνα 4">
             <a:extLst>
               <a:ext uri="{FF2B5EF4-FFF2-40B4-BE49-F238E27FC236}">
-                <a16:creationId xmlns:a16="http://schemas.microsoft.com/office/drawing/2014/main" id="{32E93237-9CFC-2B7E-A2D8-64314EA4B137}"/>
+                <a16:creationId xmlns:a16="http://schemas.microsoft.com/office/drawing/2014/main" id="{E96A40D5-833F-4DA4-39A0-86ABE197C672}"/>
               </a:ext>
             </a:extLst>
           </p:cNvPr>
@@ -7555,8 +7527,8 @@
         </p:blipFill>
         <p:spPr>
           <a:xfrm>
-            <a:off x="1533137" y="2052918"/>
-            <a:ext cx="8086889" cy="3643312"/>
+            <a:off x="0" y="253615"/>
+            <a:ext cx="12192000" cy="6350769"/>
           </a:xfrm>
           <a:prstGeom prst="rect">
             <a:avLst/>
@@ -7566,7 +7538,566 @@
     </p:spTree>
     <p:extLst>
       <p:ext uri="{BB962C8B-B14F-4D97-AF65-F5344CB8AC3E}">
-        <p14:creationId xmlns:p14="http://schemas.microsoft.com/office/powerpoint/2010/main" val="3662859958"/>
+        <p14:creationId xmlns:p14="http://schemas.microsoft.com/office/powerpoint/2010/main" val="1631487759"/>
+      </p:ext>
+    </p:extLst>
+  </p:cSld>
+  <p:clrMapOvr>
+    <a:masterClrMapping/>
+  </p:clrMapOvr>
+</p:sld>
+</file>
+
+<file path=ppt/slides/slide15.xml><?xml version="1.0" encoding="utf-8"?>
+<p:sld xmlns:a="http://schemas.openxmlformats.org/drawingml/2006/main" xmlns:r="http://schemas.openxmlformats.org/officeDocument/2006/relationships" xmlns:p="http://schemas.openxmlformats.org/presentationml/2006/main">
+  <p:cSld>
+    <p:spTree>
+      <p:nvGrpSpPr>
+        <p:cNvPr id="1" name=""/>
+        <p:cNvGrpSpPr/>
+        <p:nvPr/>
+      </p:nvGrpSpPr>
+      <p:grpSpPr>
+        <a:xfrm>
+          <a:off x="0" y="0"/>
+          <a:ext cx="0" cy="0"/>
+          <a:chOff x="0" y="0"/>
+          <a:chExt cx="0" cy="0"/>
+        </a:xfrm>
+      </p:grpSpPr>
+      <p:sp>
+        <p:nvSpPr>
+          <p:cNvPr id="2" name="Τίτλος 1">
+            <a:extLst>
+              <a:ext uri="{FF2B5EF4-FFF2-40B4-BE49-F238E27FC236}">
+                <a16:creationId xmlns:a16="http://schemas.microsoft.com/office/drawing/2014/main" id="{14C9A810-F04D-8E9A-1D43-E7CFDCDF6A4C}"/>
+              </a:ext>
+            </a:extLst>
+          </p:cNvPr>
+          <p:cNvSpPr>
+            <a:spLocks noGrp="1"/>
+          </p:cNvSpPr>
+          <p:nvPr>
+            <p:ph type="title"/>
+          </p:nvPr>
+        </p:nvSpPr>
+        <p:spPr/>
+        <p:txBody>
+          <a:bodyPr/>
+          <a:lstStyle/>
+          <a:p>
+            <a:endParaRPr lang="en-US"/>
+          </a:p>
+        </p:txBody>
+      </p:sp>
+      <p:sp>
+        <p:nvSpPr>
+          <p:cNvPr id="3" name="Θέση περιεχομένου 2">
+            <a:extLst>
+              <a:ext uri="{FF2B5EF4-FFF2-40B4-BE49-F238E27FC236}">
+                <a16:creationId xmlns:a16="http://schemas.microsoft.com/office/drawing/2014/main" id="{AFCBD20B-3A87-0AD5-A923-0045D516A28C}"/>
+              </a:ext>
+            </a:extLst>
+          </p:cNvPr>
+          <p:cNvSpPr>
+            <a:spLocks noGrp="1"/>
+          </p:cNvSpPr>
+          <p:nvPr>
+            <p:ph idx="1"/>
+          </p:nvPr>
+        </p:nvSpPr>
+        <p:spPr/>
+        <p:txBody>
+          <a:bodyPr/>
+          <a:lstStyle/>
+          <a:p>
+            <a:endParaRPr lang="en-US"/>
+          </a:p>
+        </p:txBody>
+      </p:sp>
+      <p:pic>
+        <p:nvPicPr>
+          <p:cNvPr id="5" name="Εικόνα 4">
+            <a:extLst>
+              <a:ext uri="{FF2B5EF4-FFF2-40B4-BE49-F238E27FC236}">
+                <a16:creationId xmlns:a16="http://schemas.microsoft.com/office/drawing/2014/main" id="{69B32C90-E54E-1898-A66F-4611EBCCDDCA}"/>
+              </a:ext>
+            </a:extLst>
+          </p:cNvPr>
+          <p:cNvPicPr>
+            <a:picLocks noChangeAspect="1"/>
+          </p:cNvPicPr>
+          <p:nvPr/>
+        </p:nvPicPr>
+        <p:blipFill>
+          <a:blip r:embed="rId2"/>
+          <a:stretch>
+            <a:fillRect/>
+          </a:stretch>
+        </p:blipFill>
+        <p:spPr>
+          <a:xfrm>
+            <a:off x="0" y="272077"/>
+            <a:ext cx="12192000" cy="6313846"/>
+          </a:xfrm>
+          <a:prstGeom prst="rect">
+            <a:avLst/>
+          </a:prstGeom>
+        </p:spPr>
+      </p:pic>
+    </p:spTree>
+    <p:extLst>
+      <p:ext uri="{BB962C8B-B14F-4D97-AF65-F5344CB8AC3E}">
+        <p14:creationId xmlns:p14="http://schemas.microsoft.com/office/powerpoint/2010/main" val="2046733038"/>
+      </p:ext>
+    </p:extLst>
+  </p:cSld>
+  <p:clrMapOvr>
+    <a:masterClrMapping/>
+  </p:clrMapOvr>
+</p:sld>
+</file>
+
+<file path=ppt/slides/slide16.xml><?xml version="1.0" encoding="utf-8"?>
+<p:sld xmlns:a="http://schemas.openxmlformats.org/drawingml/2006/main" xmlns:r="http://schemas.openxmlformats.org/officeDocument/2006/relationships" xmlns:p="http://schemas.openxmlformats.org/presentationml/2006/main">
+  <p:cSld>
+    <p:spTree>
+      <p:nvGrpSpPr>
+        <p:cNvPr id="1" name=""/>
+        <p:cNvGrpSpPr/>
+        <p:nvPr/>
+      </p:nvGrpSpPr>
+      <p:grpSpPr>
+        <a:xfrm>
+          <a:off x="0" y="0"/>
+          <a:ext cx="0" cy="0"/>
+          <a:chOff x="0" y="0"/>
+          <a:chExt cx="0" cy="0"/>
+        </a:xfrm>
+      </p:grpSpPr>
+      <p:sp>
+        <p:nvSpPr>
+          <p:cNvPr id="2" name="Title 1">
+            <a:extLst>
+              <a:ext uri="{FF2B5EF4-FFF2-40B4-BE49-F238E27FC236}">
+                <a16:creationId xmlns:a16="http://schemas.microsoft.com/office/drawing/2014/main" id="{16ED706C-BD1E-FF84-1D67-0DC23CC2AA7C}"/>
+              </a:ext>
+            </a:extLst>
+          </p:cNvPr>
+          <p:cNvSpPr>
+            <a:spLocks noGrp="1"/>
+          </p:cNvSpPr>
+          <p:nvPr>
+            <p:ph type="title"/>
+          </p:nvPr>
+        </p:nvSpPr>
+        <p:spPr/>
+        <p:txBody>
+          <a:bodyPr/>
+          <a:lstStyle/>
+          <a:p>
+            <a:r>
+              <a:rPr lang="el-GR" sz="4400" dirty="0"/>
+              <a:t>Αφαίρεση Φασματικών Γραμμών-Μέθοδος «Κλίσης»</a:t>
+            </a:r>
+            <a:endParaRPr lang="el-GR" dirty="0"/>
+          </a:p>
+        </p:txBody>
+      </p:sp>
+      <p:sp>
+        <p:nvSpPr>
+          <p:cNvPr id="3" name="Content Placeholder 2">
+            <a:extLst>
+              <a:ext uri="{FF2B5EF4-FFF2-40B4-BE49-F238E27FC236}">
+                <a16:creationId xmlns:a16="http://schemas.microsoft.com/office/drawing/2014/main" id="{EA1BB479-7E4B-0D66-73F2-88A462244730}"/>
+              </a:ext>
+            </a:extLst>
+          </p:cNvPr>
+          <p:cNvSpPr>
+            <a:spLocks noGrp="1"/>
+          </p:cNvSpPr>
+          <p:nvPr>
+            <p:ph idx="1"/>
+          </p:nvPr>
+        </p:nvSpPr>
+        <p:spPr/>
+        <p:txBody>
+          <a:bodyPr>
+            <a:normAutofit lnSpcReduction="10000"/>
+          </a:bodyPr>
+          <a:lstStyle/>
+          <a:p>
+            <a:r>
+              <a:rPr lang="el-GR" dirty="0"/>
+              <a:t>Αυτή η μέθοδος εντοπίζει μια φασματική γραμμή ανιχνεύοντας σημεία του σήματος που έχουν πιο απότομη κλίση από τις υπόλοιπες, είτε θετική, είτε αρνητική.</a:t>
+            </a:r>
+          </a:p>
+          <a:p>
+            <a:r>
+              <a:rPr lang="el-GR" dirty="0"/>
+              <a:t>Ανάλογα με το πλήθος των σημείων η κλίση ανάμεσα σε διαδοχικά σημεία μπορεί να είναι πολύ μικρή. Οπότε για να μπορέσουμε να συγκρίνουμε αποτελεσματικά τα σημεία υπολογίζουμε την κλίση ανάλογα με το πλήθος των σημείων. Πχ. Ανά πλήθος/10 σημεία.</a:t>
+            </a:r>
+          </a:p>
+          <a:p>
+            <a:r>
+              <a:rPr lang="el-GR" dirty="0"/>
+              <a:t>Έπειτα υπολογίζουμε ποιες τιμές είναι πιο συχνές με την βοήθεια ενός ιστογράμματος και ορίζουμε ένα διάστημα μεσαίων τιμών</a:t>
+            </a:r>
+          </a:p>
+          <a:p>
+            <a:r>
+              <a:rPr lang="el-GR" dirty="0"/>
+              <a:t>Με την βοήθεια του ορισμένου διαστήματος βρίσκουμε *τα δύο μεγαλύτερα συνεκτικά διαστήματα σημείων εκτός των μεσαίων τιμών, τα οποία αν ενωθούν είναι και η φασματική γραμμή </a:t>
+            </a:r>
+          </a:p>
+          <a:p>
+            <a:pPr marL="0" indent="0">
+              <a:buNone/>
+            </a:pPr>
+            <a:r>
+              <a:rPr lang="el-GR" dirty="0"/>
+              <a:t>*Αυτό λογικά θα αλλάξει γιατί δεν έχει πάντα σωστό αποτέλεσμα</a:t>
+            </a:r>
+          </a:p>
+          <a:p>
+            <a:endParaRPr lang="el-GR" dirty="0"/>
+          </a:p>
+        </p:txBody>
+      </p:sp>
+    </p:spTree>
+    <p:extLst>
+      <p:ext uri="{BB962C8B-B14F-4D97-AF65-F5344CB8AC3E}">
+        <p14:creationId xmlns:p14="http://schemas.microsoft.com/office/powerpoint/2010/main" val="1200604244"/>
+      </p:ext>
+    </p:extLst>
+  </p:cSld>
+  <p:clrMapOvr>
+    <a:masterClrMapping/>
+  </p:clrMapOvr>
+</p:sld>
+</file>
+
+<file path=ppt/slides/slide17.xml><?xml version="1.0" encoding="utf-8"?>
+<p:sld xmlns:a="http://schemas.openxmlformats.org/drawingml/2006/main" xmlns:r="http://schemas.openxmlformats.org/officeDocument/2006/relationships" xmlns:p="http://schemas.openxmlformats.org/presentationml/2006/main">
+  <p:cSld>
+    <p:spTree>
+      <p:nvGrpSpPr>
+        <p:cNvPr id="1" name=""/>
+        <p:cNvGrpSpPr/>
+        <p:nvPr/>
+      </p:nvGrpSpPr>
+      <p:grpSpPr>
+        <a:xfrm>
+          <a:off x="0" y="0"/>
+          <a:ext cx="0" cy="0"/>
+          <a:chOff x="0" y="0"/>
+          <a:chExt cx="0" cy="0"/>
+        </a:xfrm>
+      </p:grpSpPr>
+      <p:sp>
+        <p:nvSpPr>
+          <p:cNvPr id="2" name="Τίτλος 1">
+            <a:extLst>
+              <a:ext uri="{FF2B5EF4-FFF2-40B4-BE49-F238E27FC236}">
+                <a16:creationId xmlns:a16="http://schemas.microsoft.com/office/drawing/2014/main" id="{64926F61-652F-3946-94A0-0E3DDE2FBBE3}"/>
+              </a:ext>
+            </a:extLst>
+          </p:cNvPr>
+          <p:cNvSpPr>
+            <a:spLocks noGrp="1"/>
+          </p:cNvSpPr>
+          <p:nvPr>
+            <p:ph type="title"/>
+          </p:nvPr>
+        </p:nvSpPr>
+        <p:spPr/>
+        <p:txBody>
+          <a:bodyPr/>
+          <a:lstStyle/>
+          <a:p>
+            <a:endParaRPr lang="en-US"/>
+          </a:p>
+        </p:txBody>
+      </p:sp>
+      <p:sp>
+        <p:nvSpPr>
+          <p:cNvPr id="3" name="Θέση περιεχομένου 2">
+            <a:extLst>
+              <a:ext uri="{FF2B5EF4-FFF2-40B4-BE49-F238E27FC236}">
+                <a16:creationId xmlns:a16="http://schemas.microsoft.com/office/drawing/2014/main" id="{A4F01CA4-7867-B1BD-A19A-A92DF3CB56E4}"/>
+              </a:ext>
+            </a:extLst>
+          </p:cNvPr>
+          <p:cNvSpPr>
+            <a:spLocks noGrp="1"/>
+          </p:cNvSpPr>
+          <p:nvPr>
+            <p:ph idx="1"/>
+          </p:nvPr>
+        </p:nvSpPr>
+        <p:spPr/>
+        <p:txBody>
+          <a:bodyPr/>
+          <a:lstStyle/>
+          <a:p>
+            <a:endParaRPr lang="en-US"/>
+          </a:p>
+        </p:txBody>
+      </p:sp>
+      <p:pic>
+        <p:nvPicPr>
+          <p:cNvPr id="5" name="Εικόνα 4">
+            <a:extLst>
+              <a:ext uri="{FF2B5EF4-FFF2-40B4-BE49-F238E27FC236}">
+                <a16:creationId xmlns:a16="http://schemas.microsoft.com/office/drawing/2014/main" id="{35FE5565-D3A0-AFD2-C384-883BEB67DD6B}"/>
+              </a:ext>
+            </a:extLst>
+          </p:cNvPr>
+          <p:cNvPicPr>
+            <a:picLocks noChangeAspect="1"/>
+          </p:cNvPicPr>
+          <p:nvPr/>
+        </p:nvPicPr>
+        <p:blipFill>
+          <a:blip r:embed="rId2"/>
+          <a:stretch>
+            <a:fillRect/>
+          </a:stretch>
+        </p:blipFill>
+        <p:spPr>
+          <a:xfrm>
+            <a:off x="0" y="294857"/>
+            <a:ext cx="12192000" cy="6268286"/>
+          </a:xfrm>
+          <a:prstGeom prst="rect">
+            <a:avLst/>
+          </a:prstGeom>
+        </p:spPr>
+      </p:pic>
+    </p:spTree>
+    <p:extLst>
+      <p:ext uri="{BB962C8B-B14F-4D97-AF65-F5344CB8AC3E}">
+        <p14:creationId xmlns:p14="http://schemas.microsoft.com/office/powerpoint/2010/main" val="1526767309"/>
+      </p:ext>
+    </p:extLst>
+  </p:cSld>
+  <p:clrMapOvr>
+    <a:masterClrMapping/>
+  </p:clrMapOvr>
+</p:sld>
+</file>
+
+<file path=ppt/slides/slide18.xml><?xml version="1.0" encoding="utf-8"?>
+<p:sld xmlns:a="http://schemas.openxmlformats.org/drawingml/2006/main" xmlns:r="http://schemas.openxmlformats.org/officeDocument/2006/relationships" xmlns:p="http://schemas.openxmlformats.org/presentationml/2006/main">
+  <p:cSld>
+    <p:spTree>
+      <p:nvGrpSpPr>
+        <p:cNvPr id="1" name=""/>
+        <p:cNvGrpSpPr/>
+        <p:nvPr/>
+      </p:nvGrpSpPr>
+      <p:grpSpPr>
+        <a:xfrm>
+          <a:off x="0" y="0"/>
+          <a:ext cx="0" cy="0"/>
+          <a:chOff x="0" y="0"/>
+          <a:chExt cx="0" cy="0"/>
+        </a:xfrm>
+      </p:grpSpPr>
+      <p:sp>
+        <p:nvSpPr>
+          <p:cNvPr id="2" name="Title 1">
+            <a:extLst>
+              <a:ext uri="{FF2B5EF4-FFF2-40B4-BE49-F238E27FC236}">
+                <a16:creationId xmlns:a16="http://schemas.microsoft.com/office/drawing/2014/main" id="{2F274298-9915-DEC7-3BD6-DE329CA05BCE}"/>
+              </a:ext>
+            </a:extLst>
+          </p:cNvPr>
+          <p:cNvSpPr>
+            <a:spLocks noGrp="1"/>
+          </p:cNvSpPr>
+          <p:nvPr>
+            <p:ph type="title"/>
+          </p:nvPr>
+        </p:nvSpPr>
+        <p:spPr/>
+        <p:txBody>
+          <a:bodyPr/>
+          <a:lstStyle/>
+          <a:p>
+            <a:endParaRPr lang="el-GR"/>
+          </a:p>
+        </p:txBody>
+      </p:sp>
+      <p:sp>
+        <p:nvSpPr>
+          <p:cNvPr id="3" name="Content Placeholder 2">
+            <a:extLst>
+              <a:ext uri="{FF2B5EF4-FFF2-40B4-BE49-F238E27FC236}">
+                <a16:creationId xmlns:a16="http://schemas.microsoft.com/office/drawing/2014/main" id="{BC5E1DAB-E4B6-DDF8-0A89-F56A36E31B2A}"/>
+              </a:ext>
+            </a:extLst>
+          </p:cNvPr>
+          <p:cNvSpPr>
+            <a:spLocks noGrp="1"/>
+          </p:cNvSpPr>
+          <p:nvPr>
+            <p:ph idx="1"/>
+          </p:nvPr>
+        </p:nvSpPr>
+        <p:spPr/>
+        <p:txBody>
+          <a:bodyPr/>
+          <a:lstStyle/>
+          <a:p>
+            <a:endParaRPr lang="el-GR"/>
+          </a:p>
+        </p:txBody>
+      </p:sp>
+      <p:pic>
+        <p:nvPicPr>
+          <p:cNvPr id="5" name="Εικόνα 4">
+            <a:extLst>
+              <a:ext uri="{FF2B5EF4-FFF2-40B4-BE49-F238E27FC236}">
+                <a16:creationId xmlns:a16="http://schemas.microsoft.com/office/drawing/2014/main" id="{06099A95-BB99-41B0-A8F8-631A7F447EA6}"/>
+              </a:ext>
+            </a:extLst>
+          </p:cNvPr>
+          <p:cNvPicPr>
+            <a:picLocks noChangeAspect="1"/>
+          </p:cNvPicPr>
+          <p:nvPr/>
+        </p:nvPicPr>
+        <p:blipFill>
+          <a:blip r:embed="rId2"/>
+          <a:stretch>
+            <a:fillRect/>
+          </a:stretch>
+        </p:blipFill>
+        <p:spPr>
+          <a:xfrm>
+            <a:off x="0" y="272077"/>
+            <a:ext cx="12192000" cy="6313846"/>
+          </a:xfrm>
+          <a:prstGeom prst="rect">
+            <a:avLst/>
+          </a:prstGeom>
+        </p:spPr>
+      </p:pic>
+    </p:spTree>
+    <p:extLst>
+      <p:ext uri="{BB962C8B-B14F-4D97-AF65-F5344CB8AC3E}">
+        <p14:creationId xmlns:p14="http://schemas.microsoft.com/office/powerpoint/2010/main" val="3927654546"/>
+      </p:ext>
+    </p:extLst>
+  </p:cSld>
+  <p:clrMapOvr>
+    <a:masterClrMapping/>
+  </p:clrMapOvr>
+</p:sld>
+</file>
+
+<file path=ppt/slides/slide19.xml><?xml version="1.0" encoding="utf-8"?>
+<p:sld xmlns:a="http://schemas.openxmlformats.org/drawingml/2006/main" xmlns:r="http://schemas.openxmlformats.org/officeDocument/2006/relationships" xmlns:p="http://schemas.openxmlformats.org/presentationml/2006/main">
+  <p:cSld>
+    <p:spTree>
+      <p:nvGrpSpPr>
+        <p:cNvPr id="1" name=""/>
+        <p:cNvGrpSpPr/>
+        <p:nvPr/>
+      </p:nvGrpSpPr>
+      <p:grpSpPr>
+        <a:xfrm>
+          <a:off x="0" y="0"/>
+          <a:ext cx="0" cy="0"/>
+          <a:chOff x="0" y="0"/>
+          <a:chExt cx="0" cy="0"/>
+        </a:xfrm>
+      </p:grpSpPr>
+      <p:sp>
+        <p:nvSpPr>
+          <p:cNvPr id="2" name="Τίτλος 1">
+            <a:extLst>
+              <a:ext uri="{FF2B5EF4-FFF2-40B4-BE49-F238E27FC236}">
+                <a16:creationId xmlns:a16="http://schemas.microsoft.com/office/drawing/2014/main" id="{C6B75A66-E2E6-5612-5955-6C3AB55BEB1E}"/>
+              </a:ext>
+            </a:extLst>
+          </p:cNvPr>
+          <p:cNvSpPr>
+            <a:spLocks noGrp="1"/>
+          </p:cNvSpPr>
+          <p:nvPr>
+            <p:ph type="title"/>
+          </p:nvPr>
+        </p:nvSpPr>
+        <p:spPr/>
+        <p:txBody>
+          <a:bodyPr/>
+          <a:lstStyle/>
+          <a:p>
+            <a:endParaRPr lang="en-US"/>
+          </a:p>
+        </p:txBody>
+      </p:sp>
+      <p:sp>
+        <p:nvSpPr>
+          <p:cNvPr id="3" name="Θέση περιεχομένου 2">
+            <a:extLst>
+              <a:ext uri="{FF2B5EF4-FFF2-40B4-BE49-F238E27FC236}">
+                <a16:creationId xmlns:a16="http://schemas.microsoft.com/office/drawing/2014/main" id="{4FF71D9D-7779-6DD3-BABD-4637A184E1B4}"/>
+              </a:ext>
+            </a:extLst>
+          </p:cNvPr>
+          <p:cNvSpPr>
+            <a:spLocks noGrp="1"/>
+          </p:cNvSpPr>
+          <p:nvPr>
+            <p:ph idx="1"/>
+          </p:nvPr>
+        </p:nvSpPr>
+        <p:spPr/>
+        <p:txBody>
+          <a:bodyPr/>
+          <a:lstStyle/>
+          <a:p>
+            <a:endParaRPr lang="en-US"/>
+          </a:p>
+        </p:txBody>
+      </p:sp>
+      <p:pic>
+        <p:nvPicPr>
+          <p:cNvPr id="5" name="Εικόνα 4">
+            <a:extLst>
+              <a:ext uri="{FF2B5EF4-FFF2-40B4-BE49-F238E27FC236}">
+                <a16:creationId xmlns:a16="http://schemas.microsoft.com/office/drawing/2014/main" id="{CE961750-26FB-4E23-EDFE-B3426468744F}"/>
+              </a:ext>
+            </a:extLst>
+          </p:cNvPr>
+          <p:cNvPicPr>
+            <a:picLocks noChangeAspect="1"/>
+          </p:cNvPicPr>
+          <p:nvPr/>
+        </p:nvPicPr>
+        <p:blipFill>
+          <a:blip r:embed="rId2"/>
+          <a:stretch>
+            <a:fillRect/>
+          </a:stretch>
+        </p:blipFill>
+        <p:spPr>
+          <a:xfrm>
+            <a:off x="0" y="253615"/>
+            <a:ext cx="12192000" cy="6350769"/>
+          </a:xfrm>
+          <a:prstGeom prst="rect">
+            <a:avLst/>
+          </a:prstGeom>
+        </p:spPr>
+      </p:pic>
+    </p:spTree>
+    <p:extLst>
+      <p:ext uri="{BB962C8B-B14F-4D97-AF65-F5344CB8AC3E}">
+        <p14:creationId xmlns:p14="http://schemas.microsoft.com/office/powerpoint/2010/main" val="4189000958"/>
       </p:ext>
     </p:extLst>
   </p:cSld>
@@ -7616,7 +8147,9 @@
           </a:xfrm>
         </p:spPr>
         <p:txBody>
-          <a:bodyPr/>
+          <a:bodyPr>
+            <a:normAutofit/>
+          </a:bodyPr>
           <a:lstStyle/>
           <a:p>
             <a:pPr>
@@ -7624,7 +8157,7 @@
               <a:buChar char="q"/>
             </a:pPr>
             <a:r>
-              <a:rPr lang="el-GR" dirty="0"/>
+              <a:rPr lang="el-GR" sz="2400" dirty="0"/>
               <a:t>Κατασκευή Πλασματικών Δεδομένων</a:t>
             </a:r>
           </a:p>
@@ -7634,7 +8167,7 @@
               <a:buAutoNum type="arabicPeriod"/>
             </a:pPr>
             <a:r>
-              <a:rPr lang="el-GR" sz="2200" dirty="0"/>
+              <a:rPr lang="el-GR" sz="2400" dirty="0"/>
               <a:t>Δημιουργία Καθαρού Σήματος</a:t>
             </a:r>
           </a:p>
@@ -7644,7 +8177,7 @@
               <a:buAutoNum type="arabicPeriod"/>
             </a:pPr>
             <a:r>
-              <a:rPr lang="el-GR" sz="2200" dirty="0"/>
+              <a:rPr lang="el-GR" sz="2400" dirty="0"/>
               <a:t>Προσθήκη Θορύβου</a:t>
             </a:r>
           </a:p>
@@ -7654,7 +8187,7 @@
               <a:buAutoNum type="arabicPeriod"/>
             </a:pPr>
             <a:r>
-              <a:rPr lang="el-GR" sz="2200" dirty="0"/>
+              <a:rPr lang="el-GR" sz="2400" dirty="0"/>
               <a:t>Προσθήκη Φασματικών Γραμμών</a:t>
             </a:r>
           </a:p>
@@ -7664,7 +8197,7 @@
               <a:buChar char="q"/>
             </a:pPr>
             <a:r>
-              <a:rPr lang="el-GR" dirty="0"/>
+              <a:rPr lang="el-GR" sz="2400" dirty="0"/>
               <a:t>Καθαρισμός Σήματος</a:t>
             </a:r>
           </a:p>
@@ -7674,7 +8207,7 @@
               <a:buAutoNum type="arabicPeriod"/>
             </a:pPr>
             <a:r>
-              <a:rPr lang="el-GR" sz="2200" dirty="0"/>
+              <a:rPr lang="el-GR" sz="2400" dirty="0"/>
               <a:t>Αφαίρεση Φασματικών Γραμμών – Μέθοδος Όρια Τιμών</a:t>
             </a:r>
           </a:p>
@@ -7684,18 +8217,12 @@
               <a:buAutoNum type="arabicPeriod"/>
             </a:pPr>
             <a:r>
+              <a:rPr lang="el-GR" sz="2400" dirty="0"/>
+              <a:t>Αφαίρεση Φασματικών Γραμμών – Μέθοδος </a:t>
+            </a:r>
+            <a:r>
               <a:rPr lang="el-GR" sz="2200" dirty="0"/>
-              <a:t>Αφαίρεση Φασματικών Γραμμών – Μέθοδος Κλίσης</a:t>
-            </a:r>
-          </a:p>
-          <a:p>
-            <a:pPr marL="914400" lvl="1" indent="-514350">
-              <a:buFont typeface="+mj-lt"/>
-              <a:buAutoNum type="arabicPeriod"/>
-            </a:pPr>
-            <a:r>
-              <a:rPr lang="el-GR" sz="2200" dirty="0"/>
-              <a:t>Ταίριασμα Σήματος με Διάφορες Συναρτήσεις ()</a:t>
+              <a:t>Κλίσης</a:t>
             </a:r>
           </a:p>
           <a:p>
@@ -7704,12 +8231,47 @@
               <a:buChar char="q"/>
             </a:pPr>
             <a:r>
+              <a:rPr lang="el-GR" sz="2400" dirty="0"/>
+              <a:t>Υπολογισμός Σφαλμάτων	</a:t>
+            </a:r>
+            <a:r>
               <a:rPr lang="el-GR" dirty="0"/>
-              <a:t>Υπολογισμός Σφαλμάτων</a:t>
-            </a:r>
-          </a:p>
-          <a:p>
-            <a:pPr marL="0" indent="0">
+              <a:t>	</a:t>
+            </a:r>
+          </a:p>
+          <a:p>
+            <a:pPr marL="800100" lvl="1" indent="-342900">
+              <a:buFont typeface="+mj-lt"/>
+              <a:buAutoNum type="arabicPeriod"/>
+            </a:pPr>
+            <a:r>
+              <a:rPr lang="el-GR" sz="2400" dirty="0"/>
+              <a:t>Υπολογίζουμε τα σφάλματα για </a:t>
+            </a:r>
+            <a:r>
+              <a:rPr lang="en-US" sz="2400" dirty="0"/>
+              <a:t>Blackbody</a:t>
+            </a:r>
+            <a:r>
+              <a:rPr lang="el-GR" sz="2400" dirty="0"/>
+              <a:t> ταίριασμα και για</a:t>
+            </a:r>
+            <a:r>
+              <a:rPr lang="en-US" sz="2400" dirty="0"/>
+              <a:t> Quadratic</a:t>
+            </a:r>
+            <a:r>
+              <a:rPr lang="el-GR" sz="2400" dirty="0"/>
+              <a:t> ταίριασμα στα εξής σήματα: Σήμα με θόρυβο, Σήμα με θόρυβο και φασματικές γραμμές, φιλτραρισμένο σήμα, φιλτραρισμένο σήμα με ταίριασμα</a:t>
+            </a:r>
+            <a:r>
+              <a:rPr lang="en-US" sz="2400" dirty="0"/>
+              <a:t> continuum</a:t>
+            </a:r>
+            <a:endParaRPr lang="el-GR" sz="2400" dirty="0"/>
+          </a:p>
+          <a:p>
+            <a:pPr marL="457200" lvl="1" indent="0">
               <a:buNone/>
             </a:pPr>
             <a:endParaRPr lang="el-GR" dirty="0"/>
@@ -7720,6 +8282,403 @@
     <p:extLst>
       <p:ext uri="{BB962C8B-B14F-4D97-AF65-F5344CB8AC3E}">
         <p14:creationId xmlns:p14="http://schemas.microsoft.com/office/powerpoint/2010/main" val="4188347266"/>
+      </p:ext>
+    </p:extLst>
+  </p:cSld>
+  <p:clrMapOvr>
+    <a:masterClrMapping/>
+  </p:clrMapOvr>
+</p:sld>
+</file>
+
+<file path=ppt/slides/slide20.xml><?xml version="1.0" encoding="utf-8"?>
+<p:sld xmlns:a="http://schemas.openxmlformats.org/drawingml/2006/main" xmlns:r="http://schemas.openxmlformats.org/officeDocument/2006/relationships" xmlns:p="http://schemas.openxmlformats.org/presentationml/2006/main">
+  <p:cSld>
+    <p:spTree>
+      <p:nvGrpSpPr>
+        <p:cNvPr id="1" name=""/>
+        <p:cNvGrpSpPr/>
+        <p:nvPr/>
+      </p:nvGrpSpPr>
+      <p:grpSpPr>
+        <a:xfrm>
+          <a:off x="0" y="0"/>
+          <a:ext cx="0" cy="0"/>
+          <a:chOff x="0" y="0"/>
+          <a:chExt cx="0" cy="0"/>
+        </a:xfrm>
+      </p:grpSpPr>
+      <p:sp>
+        <p:nvSpPr>
+          <p:cNvPr id="2" name="Τίτλος 1">
+            <a:extLst>
+              <a:ext uri="{FF2B5EF4-FFF2-40B4-BE49-F238E27FC236}">
+                <a16:creationId xmlns:a16="http://schemas.microsoft.com/office/drawing/2014/main" id="{336220A1-1F58-8921-9518-8EF4935E36D8}"/>
+              </a:ext>
+            </a:extLst>
+          </p:cNvPr>
+          <p:cNvSpPr>
+            <a:spLocks noGrp="1"/>
+          </p:cNvSpPr>
+          <p:nvPr>
+            <p:ph type="title"/>
+          </p:nvPr>
+        </p:nvSpPr>
+        <p:spPr/>
+        <p:txBody>
+          <a:bodyPr/>
+          <a:lstStyle/>
+          <a:p>
+            <a:endParaRPr lang="en-US"/>
+          </a:p>
+        </p:txBody>
+      </p:sp>
+      <p:sp>
+        <p:nvSpPr>
+          <p:cNvPr id="3" name="Θέση περιεχομένου 2">
+            <a:extLst>
+              <a:ext uri="{FF2B5EF4-FFF2-40B4-BE49-F238E27FC236}">
+                <a16:creationId xmlns:a16="http://schemas.microsoft.com/office/drawing/2014/main" id="{EF4F2DC0-4D5D-2C21-4A38-44583E22A702}"/>
+              </a:ext>
+            </a:extLst>
+          </p:cNvPr>
+          <p:cNvSpPr>
+            <a:spLocks noGrp="1"/>
+          </p:cNvSpPr>
+          <p:nvPr>
+            <p:ph idx="1"/>
+          </p:nvPr>
+        </p:nvSpPr>
+        <p:spPr/>
+        <p:txBody>
+          <a:bodyPr/>
+          <a:lstStyle/>
+          <a:p>
+            <a:endParaRPr lang="en-US"/>
+          </a:p>
+        </p:txBody>
+      </p:sp>
+      <p:pic>
+        <p:nvPicPr>
+          <p:cNvPr id="7" name="Εικόνα 6">
+            <a:extLst>
+              <a:ext uri="{FF2B5EF4-FFF2-40B4-BE49-F238E27FC236}">
+                <a16:creationId xmlns:a16="http://schemas.microsoft.com/office/drawing/2014/main" id="{770891E0-01CA-E975-1265-4AE78CE3AD35}"/>
+              </a:ext>
+            </a:extLst>
+          </p:cNvPr>
+          <p:cNvPicPr>
+            <a:picLocks noChangeAspect="1"/>
+          </p:cNvPicPr>
+          <p:nvPr/>
+        </p:nvPicPr>
+        <p:blipFill>
+          <a:blip r:embed="rId2"/>
+          <a:stretch>
+            <a:fillRect/>
+          </a:stretch>
+        </p:blipFill>
+        <p:spPr>
+          <a:xfrm>
+            <a:off x="0" y="272077"/>
+            <a:ext cx="12192000" cy="6313846"/>
+          </a:xfrm>
+          <a:prstGeom prst="rect">
+            <a:avLst/>
+          </a:prstGeom>
+        </p:spPr>
+      </p:pic>
+    </p:spTree>
+    <p:extLst>
+      <p:ext uri="{BB962C8B-B14F-4D97-AF65-F5344CB8AC3E}">
+        <p14:creationId xmlns:p14="http://schemas.microsoft.com/office/powerpoint/2010/main" val="2778847959"/>
+      </p:ext>
+    </p:extLst>
+  </p:cSld>
+  <p:clrMapOvr>
+    <a:masterClrMapping/>
+  </p:clrMapOvr>
+</p:sld>
+</file>
+
+<file path=ppt/slides/slide21.xml><?xml version="1.0" encoding="utf-8"?>
+<p:sld xmlns:a="http://schemas.openxmlformats.org/drawingml/2006/main" xmlns:r="http://schemas.openxmlformats.org/officeDocument/2006/relationships" xmlns:p="http://schemas.openxmlformats.org/presentationml/2006/main">
+  <p:cSld>
+    <p:spTree>
+      <p:nvGrpSpPr>
+        <p:cNvPr id="1" name=""/>
+        <p:cNvGrpSpPr/>
+        <p:nvPr/>
+      </p:nvGrpSpPr>
+      <p:grpSpPr>
+        <a:xfrm>
+          <a:off x="0" y="0"/>
+          <a:ext cx="0" cy="0"/>
+          <a:chOff x="0" y="0"/>
+          <a:chExt cx="0" cy="0"/>
+        </a:xfrm>
+      </p:grpSpPr>
+      <p:sp>
+        <p:nvSpPr>
+          <p:cNvPr id="2" name="Title 1">
+            <a:extLst>
+              <a:ext uri="{FF2B5EF4-FFF2-40B4-BE49-F238E27FC236}">
+                <a16:creationId xmlns:a16="http://schemas.microsoft.com/office/drawing/2014/main" id="{D4DFF5B0-B128-17D4-CC81-FFEF9C52E2F5}"/>
+              </a:ext>
+            </a:extLst>
+          </p:cNvPr>
+          <p:cNvSpPr>
+            <a:spLocks noGrp="1"/>
+          </p:cNvSpPr>
+          <p:nvPr>
+            <p:ph type="title"/>
+          </p:nvPr>
+        </p:nvSpPr>
+        <p:spPr/>
+        <p:txBody>
+          <a:bodyPr/>
+          <a:lstStyle/>
+          <a:p>
+            <a:r>
+              <a:rPr lang="el-GR" dirty="0"/>
+              <a:t>Υπολογισμός Σφαλμάτων</a:t>
+            </a:r>
+          </a:p>
+        </p:txBody>
+      </p:sp>
+      <p:sp>
+        <p:nvSpPr>
+          <p:cNvPr id="3" name="Content Placeholder 2">
+            <a:extLst>
+              <a:ext uri="{FF2B5EF4-FFF2-40B4-BE49-F238E27FC236}">
+                <a16:creationId xmlns:a16="http://schemas.microsoft.com/office/drawing/2014/main" id="{40E52B41-EB11-D057-1C48-ABBD976D0F22}"/>
+              </a:ext>
+            </a:extLst>
+          </p:cNvPr>
+          <p:cNvSpPr>
+            <a:spLocks noGrp="1"/>
+          </p:cNvSpPr>
+          <p:nvPr>
+            <p:ph idx="1"/>
+          </p:nvPr>
+        </p:nvSpPr>
+        <p:spPr/>
+        <p:txBody>
+          <a:bodyPr/>
+          <a:lstStyle/>
+          <a:p>
+            <a:r>
+              <a:rPr lang="el-GR" dirty="0"/>
+              <a:t>Συγκρίνουμε τις μεθόδους και τα ταιριάσματα που χρησιμοποιήσαμε για να δούμε ποια είναι καλύτερη.</a:t>
+            </a:r>
+          </a:p>
+          <a:p>
+            <a:r>
+              <a:rPr lang="el-GR" dirty="0"/>
+              <a:t>Το σφάλμα στο ταίριασμα ολόκληρου του σήματος είναι πολύ μικρό, οπότε υπολογίζουμε το σφάλμα σε περιοχές κοντά σε φασματικές ακτίνες (+/- 0.5 </a:t>
+            </a:r>
+            <a:r>
+              <a:rPr lang="en-US" dirty="0"/>
+              <a:t>GHz</a:t>
+            </a:r>
+            <a:r>
+              <a:rPr lang="el-GR" dirty="0"/>
+              <a:t> από την κορυφή τους) και κρατάμε το μεγαλύτερο</a:t>
+            </a:r>
+          </a:p>
+          <a:p>
+            <a:r>
+              <a:rPr lang="el-GR" dirty="0"/>
+              <a:t>Μέθοδοι: Όριο Τιμών, Κλίσης</a:t>
+            </a:r>
+          </a:p>
+          <a:p>
+            <a:r>
+              <a:rPr lang="el-GR" dirty="0"/>
+              <a:t>Ταιριάσματα </a:t>
+            </a:r>
+            <a:r>
+              <a:rPr lang="en-US" dirty="0"/>
+              <a:t>(Fits)</a:t>
+            </a:r>
+            <a:r>
+              <a:rPr lang="el-GR" dirty="0"/>
+              <a:t>: </a:t>
+            </a:r>
+            <a:r>
+              <a:rPr lang="en-US" dirty="0"/>
+              <a:t>Blackbody Radiation, Quadratic, Generic Continuum</a:t>
+            </a:r>
+          </a:p>
+          <a:p>
+            <a:r>
+              <a:rPr lang="el-GR" dirty="0"/>
+              <a:t>Σήμα:</a:t>
+            </a:r>
+            <a:r>
+              <a:rPr lang="en-US" dirty="0"/>
+              <a:t> Blackbody Radiation </a:t>
+            </a:r>
+            <a:r>
+              <a:rPr lang="el-GR" dirty="0"/>
+              <a:t>με </a:t>
+            </a:r>
+            <a:r>
+              <a:rPr lang="en-US" dirty="0"/>
+              <a:t>T = 1e4K</a:t>
+            </a:r>
+            <a:endParaRPr lang="el-GR" dirty="0"/>
+          </a:p>
+        </p:txBody>
+      </p:sp>
+    </p:spTree>
+    <p:extLst>
+      <p:ext uri="{BB962C8B-B14F-4D97-AF65-F5344CB8AC3E}">
+        <p14:creationId xmlns:p14="http://schemas.microsoft.com/office/powerpoint/2010/main" val="2934450851"/>
+      </p:ext>
+    </p:extLst>
+  </p:cSld>
+  <p:clrMapOvr>
+    <a:masterClrMapping/>
+  </p:clrMapOvr>
+</p:sld>
+</file>
+
+<file path=ppt/slides/slide22.xml><?xml version="1.0" encoding="utf-8"?>
+<p:sld xmlns:a="http://schemas.openxmlformats.org/drawingml/2006/main" xmlns:r="http://schemas.openxmlformats.org/officeDocument/2006/relationships" xmlns:p="http://schemas.openxmlformats.org/presentationml/2006/main">
+  <p:cSld>
+    <p:spTree>
+      <p:nvGrpSpPr>
+        <p:cNvPr id="1" name=""/>
+        <p:cNvGrpSpPr/>
+        <p:nvPr/>
+      </p:nvGrpSpPr>
+      <p:grpSpPr>
+        <a:xfrm>
+          <a:off x="0" y="0"/>
+          <a:ext cx="0" cy="0"/>
+          <a:chOff x="0" y="0"/>
+          <a:chExt cx="0" cy="0"/>
+        </a:xfrm>
+      </p:grpSpPr>
+      <p:sp>
+        <p:nvSpPr>
+          <p:cNvPr id="2" name="Title 1">
+            <a:extLst>
+              <a:ext uri="{FF2B5EF4-FFF2-40B4-BE49-F238E27FC236}">
+                <a16:creationId xmlns:a16="http://schemas.microsoft.com/office/drawing/2014/main" id="{5B2147CC-BFD2-061D-8FE2-0B002B5CE936}"/>
+              </a:ext>
+            </a:extLst>
+          </p:cNvPr>
+          <p:cNvSpPr>
+            <a:spLocks noGrp="1"/>
+          </p:cNvSpPr>
+          <p:nvPr>
+            <p:ph type="title"/>
+          </p:nvPr>
+        </p:nvSpPr>
+        <p:spPr/>
+        <p:txBody>
+          <a:bodyPr/>
+          <a:lstStyle/>
+          <a:p>
+            <a:endParaRPr lang="el-GR"/>
+          </a:p>
+        </p:txBody>
+      </p:sp>
+      <p:sp>
+        <p:nvSpPr>
+          <p:cNvPr id="3" name="Content Placeholder 2">
+            <a:extLst>
+              <a:ext uri="{FF2B5EF4-FFF2-40B4-BE49-F238E27FC236}">
+                <a16:creationId xmlns:a16="http://schemas.microsoft.com/office/drawing/2014/main" id="{5CDE983C-83C2-FB85-9CA2-93BDCA5EDF5B}"/>
+              </a:ext>
+            </a:extLst>
+          </p:cNvPr>
+          <p:cNvSpPr>
+            <a:spLocks noGrp="1"/>
+          </p:cNvSpPr>
+          <p:nvPr>
+            <p:ph idx="1"/>
+          </p:nvPr>
+        </p:nvSpPr>
+        <p:spPr/>
+        <p:txBody>
+          <a:bodyPr/>
+          <a:lstStyle/>
+          <a:p>
+            <a:r>
+              <a:rPr lang="en-US" dirty="0"/>
+              <a:t>Oria   									Slope</a:t>
+            </a:r>
+            <a:endParaRPr lang="el-GR" dirty="0"/>
+          </a:p>
+        </p:txBody>
+      </p:sp>
+      <p:pic>
+        <p:nvPicPr>
+          <p:cNvPr id="16" name="Εικόνα 15">
+            <a:extLst>
+              <a:ext uri="{FF2B5EF4-FFF2-40B4-BE49-F238E27FC236}">
+                <a16:creationId xmlns:a16="http://schemas.microsoft.com/office/drawing/2014/main" id="{6E883918-9A5D-BC3C-12D8-DF5AB221C4AB}"/>
+              </a:ext>
+            </a:extLst>
+          </p:cNvPr>
+          <p:cNvPicPr>
+            <a:picLocks noChangeAspect="1"/>
+          </p:cNvPicPr>
+          <p:nvPr/>
+        </p:nvPicPr>
+        <p:blipFill>
+          <a:blip r:embed="rId2"/>
+          <a:stretch>
+            <a:fillRect/>
+          </a:stretch>
+        </p:blipFill>
+        <p:spPr>
+          <a:xfrm>
+            <a:off x="6158001" y="2837903"/>
+            <a:ext cx="4695825" cy="2447925"/>
+          </a:xfrm>
+          <a:prstGeom prst="rect">
+            <a:avLst/>
+          </a:prstGeom>
+        </p:spPr>
+      </p:pic>
+      <p:pic>
+        <p:nvPicPr>
+          <p:cNvPr id="18" name="Εικόνα 17">
+            <a:extLst>
+              <a:ext uri="{FF2B5EF4-FFF2-40B4-BE49-F238E27FC236}">
+                <a16:creationId xmlns:a16="http://schemas.microsoft.com/office/drawing/2014/main" id="{C8901AE4-6B4C-A4B0-B9DC-1E9BCBAC0F85}"/>
+              </a:ext>
+            </a:extLst>
+          </p:cNvPr>
+          <p:cNvPicPr>
+            <a:picLocks noChangeAspect="1"/>
+          </p:cNvPicPr>
+          <p:nvPr/>
+        </p:nvPicPr>
+        <p:blipFill>
+          <a:blip r:embed="rId3"/>
+          <a:stretch>
+            <a:fillRect/>
+          </a:stretch>
+        </p:blipFill>
+        <p:spPr>
+          <a:xfrm>
+            <a:off x="947432" y="2837903"/>
+            <a:ext cx="4629150" cy="2428875"/>
+          </a:xfrm>
+          <a:prstGeom prst="rect">
+            <a:avLst/>
+          </a:prstGeom>
+        </p:spPr>
+      </p:pic>
+    </p:spTree>
+    <p:extLst>
+      <p:ext uri="{BB962C8B-B14F-4D97-AF65-F5344CB8AC3E}">
+        <p14:creationId xmlns:p14="http://schemas.microsoft.com/office/powerpoint/2010/main" val="3662859958"/>
       </p:ext>
     </p:extLst>
   </p:cSld>
@@ -7793,7 +8752,9 @@
         </p:nvSpPr>
         <p:spPr/>
         <p:txBody>
-          <a:bodyPr/>
+          <a:bodyPr>
+            <a:normAutofit fontScale="92500"/>
+          </a:bodyPr>
           <a:lstStyle/>
           <a:p>
             <a:r>
@@ -7807,6 +8768,13 @@
             <a:r>
               <a:rPr lang="el-GR" dirty="0"/>
               <a:t> μας. Επομένως εξετάζουμε την γενική εικόνα</a:t>
+            </a:r>
+            <a:endParaRPr lang="en-US" dirty="0"/>
+          </a:p>
+          <a:p>
+            <a:r>
+              <a:rPr lang="el-GR" dirty="0"/>
+              <a:t>Χρησιμοποιούμε προς το παρόν σχετικές διαστάσεις γιατί οι πραγματικές διαστάσεις του σήματος είναι εκτός τις ακρίβειας του υπολογιστή.</a:t>
             </a:r>
           </a:p>
           <a:p>
@@ -9048,10 +10016,10 @@
       </p:sp>
       <p:pic>
         <p:nvPicPr>
-          <p:cNvPr id="6" name="Εικόνα 5">
+          <p:cNvPr id="5" name="Εικόνα 4">
             <a:extLst>
               <a:ext uri="{FF2B5EF4-FFF2-40B4-BE49-F238E27FC236}">
-                <a16:creationId xmlns:a16="http://schemas.microsoft.com/office/drawing/2014/main" id="{F6614F73-674A-D80B-685F-268B7485860B}"/>
+                <a16:creationId xmlns:a16="http://schemas.microsoft.com/office/drawing/2014/main" id="{6C9D1327-AC2D-25E0-23EE-0265CD28C4AA}"/>
               </a:ext>
             </a:extLst>
           </p:cNvPr>
@@ -9068,8 +10036,8 @@
         </p:blipFill>
         <p:spPr>
           <a:xfrm>
-            <a:off x="5104157" y="1500118"/>
-            <a:ext cx="5887116" cy="4675063"/>
+            <a:off x="1080335" y="3288145"/>
+            <a:ext cx="3629417" cy="2887036"/>
           </a:xfrm>
           <a:prstGeom prst="rect">
             <a:avLst/>
@@ -9078,10 +10046,10 @@
       </p:pic>
       <p:pic>
         <p:nvPicPr>
-          <p:cNvPr id="11" name="Εικόνα 10">
+          <p:cNvPr id="8" name="Εικόνα 7">
             <a:extLst>
               <a:ext uri="{FF2B5EF4-FFF2-40B4-BE49-F238E27FC236}">
-                <a16:creationId xmlns:a16="http://schemas.microsoft.com/office/drawing/2014/main" id="{5FA791DA-DF9B-E9CC-2420-DB45F2E27775}"/>
+                <a16:creationId xmlns:a16="http://schemas.microsoft.com/office/drawing/2014/main" id="{E9D10CCA-1F7F-77FD-C83A-671BC532F3C6}"/>
               </a:ext>
             </a:extLst>
           </p:cNvPr>
@@ -9098,8 +10066,8 @@
         </p:blipFill>
         <p:spPr>
           <a:xfrm>
-            <a:off x="1023131" y="3288145"/>
-            <a:ext cx="3623071" cy="2887036"/>
+            <a:off x="5349667" y="1543537"/>
+            <a:ext cx="5641606" cy="4480099"/>
           </a:xfrm>
           <a:prstGeom prst="rect">
             <a:avLst/>
@@ -9122,6 +10090,14 @@
 <file path=ppt/slides/slide6.xml><?xml version="1.0" encoding="utf-8"?>
 <p:sld xmlns:a="http://schemas.openxmlformats.org/drawingml/2006/main" xmlns:r="http://schemas.openxmlformats.org/officeDocument/2006/relationships" xmlns:p="http://schemas.openxmlformats.org/presentationml/2006/main">
   <p:cSld>
+    <p:bg>
+      <p:bgPr>
+        <a:solidFill>
+          <a:schemeClr val="bg1"/>
+        </a:solidFill>
+        <a:effectLst/>
+      </p:bgPr>
+    </p:bg>
     <p:spTree>
       <p:nvGrpSpPr>
         <p:cNvPr id="1" name=""/>
@@ -9138,6 +10114,66 @@
       </p:grpSpPr>
       <p:sp>
         <p:nvSpPr>
+          <p:cNvPr id="10" name="Rectangle 9">
+            <a:extLst>
+              <a:ext uri="{FF2B5EF4-FFF2-40B4-BE49-F238E27FC236}">
+                <a16:creationId xmlns:a16="http://schemas.microsoft.com/office/drawing/2014/main" id="{5F3FC718-FDE3-4EF7-921E-A5F374EAF824}"/>
+              </a:ext>
+              <a:ext uri="{C183D7F6-B498-43B3-948B-1728B52AA6E4}">
+                <adec:decorative xmlns:adec="http://schemas.microsoft.com/office/drawing/2017/decorative" val="1"/>
+              </a:ext>
+            </a:extLst>
+          </p:cNvPr>
+          <p:cNvSpPr>
+            <a:spLocks noGrp="1" noRot="1" noChangeAspect="1" noMove="1" noResize="1" noEditPoints="1" noAdjustHandles="1" noChangeArrowheads="1" noChangeShapeType="1" noTextEdit="1"/>
+          </p:cNvSpPr>
+          <p:nvPr>
+            <p:extLst>
+              <p:ext uri="{386F3935-93C4-4BCD-93E2-E3B085C9AB24}">
+                <p16:designElem xmlns:p16="http://schemas.microsoft.com/office/powerpoint/2015/main" val="1"/>
+              </p:ext>
+            </p:extLst>
+          </p:nvPr>
+        </p:nvSpPr>
+        <p:spPr>
+          <a:xfrm>
+            <a:off x="0" y="0"/>
+            <a:ext cx="12192000" cy="6858000"/>
+          </a:xfrm>
+          <a:prstGeom prst="rect">
+            <a:avLst/>
+          </a:prstGeom>
+          <a:ln>
+            <a:noFill/>
+          </a:ln>
+        </p:spPr>
+        <p:style>
+          <a:lnRef idx="2">
+            <a:schemeClr val="accent1">
+              <a:shade val="50000"/>
+            </a:schemeClr>
+          </a:lnRef>
+          <a:fillRef idx="1003">
+            <a:schemeClr val="dk2"/>
+          </a:fillRef>
+          <a:effectRef idx="0">
+            <a:schemeClr val="accent1"/>
+          </a:effectRef>
+          <a:fontRef idx="minor">
+            <a:schemeClr val="lt1"/>
+          </a:fontRef>
+        </p:style>
+        <p:txBody>
+          <a:bodyPr rtlCol="0" anchor="ctr"/>
+          <a:lstStyle/>
+          <a:p>
+            <a:pPr algn="ctr"/>
+            <a:endParaRPr lang="en-US"/>
+          </a:p>
+        </p:txBody>
+      </p:sp>
+      <p:sp>
+        <p:nvSpPr>
           <p:cNvPr id="2" name="Title 1">
             <a:extLst>
               <a:ext uri="{FF2B5EF4-FFF2-40B4-BE49-F238E27FC236}">
@@ -9152,17 +10188,901 @@
             <p:ph type="title"/>
           </p:nvPr>
         </p:nvSpPr>
-        <p:spPr/>
-        <p:txBody>
-          <a:bodyPr/>
+        <p:spPr>
+          <a:xfrm>
+            <a:off x="643855" y="1447799"/>
+            <a:ext cx="3108626" cy="1444752"/>
+          </a:xfrm>
+        </p:spPr>
+        <p:txBody>
+          <a:bodyPr anchor="b">
+            <a:normAutofit/>
+          </a:bodyPr>
           <a:lstStyle/>
           <a:p>
-            <a:r>
-              <a:rPr lang="el-GR" dirty="0"/>
+            <a:pPr>
+              <a:lnSpc>
+                <a:spcPct val="90000"/>
+              </a:lnSpc>
+            </a:pPr>
+            <a:r>
+              <a:rPr lang="el-GR" sz="3200">
+                <a:solidFill>
+                  <a:srgbClr val="EBEBEB"/>
+                </a:solidFill>
+              </a:rPr>
               <a:t>Προσθήκη Φασματικών Γραμμών</a:t>
             </a:r>
           </a:p>
         </p:txBody>
+      </p:sp>
+      <p:sp>
+        <p:nvSpPr>
+          <p:cNvPr id="12" name="Freeform 11">
+            <a:extLst>
+              <a:ext uri="{FF2B5EF4-FFF2-40B4-BE49-F238E27FC236}">
+                <a16:creationId xmlns:a16="http://schemas.microsoft.com/office/drawing/2014/main" id="{FAA0F719-3DC8-4F08-AD8F-5A845658CB9D}"/>
+              </a:ext>
+              <a:ext uri="{C183D7F6-B498-43B3-948B-1728B52AA6E4}">
+                <adec:decorative xmlns:adec="http://schemas.microsoft.com/office/drawing/2017/decorative" val="1"/>
+              </a:ext>
+            </a:extLst>
+          </p:cNvPr>
+          <p:cNvSpPr>
+            <a:spLocks noGrp="1" noRot="1" noChangeAspect="1" noMove="1" noResize="1" noEditPoints="1" noAdjustHandles="1" noChangeArrowheads="1" noChangeShapeType="1" noTextEdit="1"/>
+          </p:cNvSpPr>
+          <p:nvPr>
+            <p:extLst>
+              <p:ext uri="{386F3935-93C4-4BCD-93E2-E3B085C9AB24}">
+                <p16:designElem xmlns:p16="http://schemas.microsoft.com/office/powerpoint/2015/main" val="1"/>
+              </p:ext>
+            </p:extLst>
+          </p:nvPr>
+        </p:nvSpPr>
+        <p:spPr>
+          <a:xfrm>
+            <a:off x="3948110" y="-1"/>
+            <a:ext cx="559472" cy="3709642"/>
+          </a:xfrm>
+          <a:custGeom>
+            <a:avLst/>
+            <a:gdLst>
+              <a:gd name="connsiteX0" fmla="*/ 0 w 559472"/>
+              <a:gd name="connsiteY0" fmla="*/ 0 h 3709642"/>
+              <a:gd name="connsiteX1" fmla="*/ 473952 w 559472"/>
+              <a:gd name="connsiteY1" fmla="*/ 0 h 3709642"/>
+              <a:gd name="connsiteX2" fmla="*/ 485840 w 559472"/>
+              <a:gd name="connsiteY2" fmla="*/ 161194 h 3709642"/>
+              <a:gd name="connsiteX3" fmla="*/ 523949 w 559472"/>
+              <a:gd name="connsiteY3" fmla="*/ 3672197 h 3709642"/>
+              <a:gd name="connsiteX4" fmla="*/ 454748 w 559472"/>
+              <a:gd name="connsiteY4" fmla="*/ 3709642 h 3709642"/>
+              <a:gd name="connsiteX5" fmla="*/ 448224 w 559472"/>
+              <a:gd name="connsiteY5" fmla="*/ 3510471 h 3709642"/>
+              <a:gd name="connsiteX6" fmla="*/ 443564 w 559472"/>
+              <a:gd name="connsiteY6" fmla="*/ 3408563 h 3709642"/>
+              <a:gd name="connsiteX7" fmla="*/ 438902 w 559472"/>
+              <a:gd name="connsiteY7" fmla="*/ 3304407 h 3709642"/>
+              <a:gd name="connsiteX8" fmla="*/ 433941 w 559472"/>
+              <a:gd name="connsiteY8" fmla="*/ 3198777 h 3709642"/>
+              <a:gd name="connsiteX9" fmla="*/ 427584 w 559472"/>
+              <a:gd name="connsiteY9" fmla="*/ 3092510 h 3709642"/>
+              <a:gd name="connsiteX10" fmla="*/ 420988 w 559472"/>
+              <a:gd name="connsiteY10" fmla="*/ 2984390 h 3709642"/>
+              <a:gd name="connsiteX11" fmla="*/ 414330 w 559472"/>
+              <a:gd name="connsiteY11" fmla="*/ 2874401 h 3709642"/>
+              <a:gd name="connsiteX12" fmla="*/ 406840 w 559472"/>
+              <a:gd name="connsiteY12" fmla="*/ 2762980 h 3709642"/>
+              <a:gd name="connsiteX13" fmla="*/ 397745 w 559472"/>
+              <a:gd name="connsiteY13" fmla="*/ 2650566 h 3709642"/>
+              <a:gd name="connsiteX14" fmla="*/ 389154 w 559472"/>
+              <a:gd name="connsiteY14" fmla="*/ 2536612 h 3709642"/>
+              <a:gd name="connsiteX15" fmla="*/ 379225 w 559472"/>
+              <a:gd name="connsiteY15" fmla="*/ 2421642 h 3709642"/>
+              <a:gd name="connsiteX16" fmla="*/ 368316 w 559472"/>
+              <a:gd name="connsiteY16" fmla="*/ 2305627 h 3709642"/>
+              <a:gd name="connsiteX17" fmla="*/ 357466 w 559472"/>
+              <a:gd name="connsiteY17" fmla="*/ 2189233 h 3709642"/>
+              <a:gd name="connsiteX18" fmla="*/ 344982 w 559472"/>
+              <a:gd name="connsiteY18" fmla="*/ 2071473 h 3709642"/>
+              <a:gd name="connsiteX19" fmla="*/ 332466 w 559472"/>
+              <a:gd name="connsiteY19" fmla="*/ 1952216 h 3709642"/>
+              <a:gd name="connsiteX20" fmla="*/ 319121 w 559472"/>
+              <a:gd name="connsiteY20" fmla="*/ 1833776 h 3709642"/>
+              <a:gd name="connsiteX21" fmla="*/ 304408 w 559472"/>
+              <a:gd name="connsiteY21" fmla="*/ 1713948 h 3709642"/>
+              <a:gd name="connsiteX22" fmla="*/ 288685 w 559472"/>
+              <a:gd name="connsiteY22" fmla="*/ 1592703 h 3709642"/>
+              <a:gd name="connsiteX23" fmla="*/ 273050 w 559472"/>
+              <a:gd name="connsiteY23" fmla="*/ 1471451 h 3709642"/>
+              <a:gd name="connsiteX24" fmla="*/ 255813 w 559472"/>
+              <a:gd name="connsiteY24" fmla="*/ 1350328 h 3709642"/>
+              <a:gd name="connsiteX25" fmla="*/ 237060 w 559472"/>
+              <a:gd name="connsiteY25" fmla="*/ 1227080 h 3709642"/>
+              <a:gd name="connsiteX26" fmla="*/ 218488 w 559472"/>
+              <a:gd name="connsiteY26" fmla="*/ 1106065 h 3709642"/>
+              <a:gd name="connsiteX27" fmla="*/ 198221 w 559472"/>
+              <a:gd name="connsiteY27" fmla="*/ 982940 h 3709642"/>
+              <a:gd name="connsiteX28" fmla="*/ 177152 w 559472"/>
+              <a:gd name="connsiteY28" fmla="*/ 858755 h 3709642"/>
+              <a:gd name="connsiteX29" fmla="*/ 155551 w 559472"/>
+              <a:gd name="connsiteY29" fmla="*/ 736861 h 3709642"/>
+              <a:gd name="connsiteX30" fmla="*/ 131782 w 559472"/>
+              <a:gd name="connsiteY30" fmla="*/ 613645 h 3709642"/>
+              <a:gd name="connsiteX31" fmla="*/ 107123 w 559472"/>
+              <a:gd name="connsiteY31" fmla="*/ 490500 h 3709642"/>
+              <a:gd name="connsiteX32" fmla="*/ 82552 w 559472"/>
+              <a:gd name="connsiteY32" fmla="*/ 367348 h 3709642"/>
+              <a:gd name="connsiteX33" fmla="*/ 55608 w 559472"/>
+              <a:gd name="connsiteY33" fmla="*/ 244762 h 3709642"/>
+              <a:gd name="connsiteX34" fmla="*/ 28130 w 559472"/>
+              <a:gd name="connsiteY34" fmla="*/ 122220 h 3709642"/>
+              <a:gd name="connsiteX35" fmla="*/ 0 w 559472"/>
+              <a:gd name="connsiteY35" fmla="*/ 0 h 3709642"/>
+            </a:gdLst>
+            <a:ahLst/>
+            <a:cxnLst>
+              <a:cxn ang="0">
+                <a:pos x="connsiteX0" y="connsiteY0"/>
+              </a:cxn>
+              <a:cxn ang="0">
+                <a:pos x="connsiteX1" y="connsiteY1"/>
+              </a:cxn>
+              <a:cxn ang="0">
+                <a:pos x="connsiteX2" y="connsiteY2"/>
+              </a:cxn>
+              <a:cxn ang="0">
+                <a:pos x="connsiteX3" y="connsiteY3"/>
+              </a:cxn>
+              <a:cxn ang="0">
+                <a:pos x="connsiteX4" y="connsiteY4"/>
+              </a:cxn>
+              <a:cxn ang="0">
+                <a:pos x="connsiteX5" y="connsiteY5"/>
+              </a:cxn>
+              <a:cxn ang="0">
+                <a:pos x="connsiteX6" y="connsiteY6"/>
+              </a:cxn>
+              <a:cxn ang="0">
+                <a:pos x="connsiteX7" y="connsiteY7"/>
+              </a:cxn>
+              <a:cxn ang="0">
+                <a:pos x="connsiteX8" y="connsiteY8"/>
+              </a:cxn>
+              <a:cxn ang="0">
+                <a:pos x="connsiteX9" y="connsiteY9"/>
+              </a:cxn>
+              <a:cxn ang="0">
+                <a:pos x="connsiteX10" y="connsiteY10"/>
+              </a:cxn>
+              <a:cxn ang="0">
+                <a:pos x="connsiteX11" y="connsiteY11"/>
+              </a:cxn>
+              <a:cxn ang="0">
+                <a:pos x="connsiteX12" y="connsiteY12"/>
+              </a:cxn>
+              <a:cxn ang="0">
+                <a:pos x="connsiteX13" y="connsiteY13"/>
+              </a:cxn>
+              <a:cxn ang="0">
+                <a:pos x="connsiteX14" y="connsiteY14"/>
+              </a:cxn>
+              <a:cxn ang="0">
+                <a:pos x="connsiteX15" y="connsiteY15"/>
+              </a:cxn>
+              <a:cxn ang="0">
+                <a:pos x="connsiteX16" y="connsiteY16"/>
+              </a:cxn>
+              <a:cxn ang="0">
+                <a:pos x="connsiteX17" y="connsiteY17"/>
+              </a:cxn>
+              <a:cxn ang="0">
+                <a:pos x="connsiteX18" y="connsiteY18"/>
+              </a:cxn>
+              <a:cxn ang="0">
+                <a:pos x="connsiteX19" y="connsiteY19"/>
+              </a:cxn>
+              <a:cxn ang="0">
+                <a:pos x="connsiteX20" y="connsiteY20"/>
+              </a:cxn>
+              <a:cxn ang="0">
+                <a:pos x="connsiteX21" y="connsiteY21"/>
+              </a:cxn>
+              <a:cxn ang="0">
+                <a:pos x="connsiteX22" y="connsiteY22"/>
+              </a:cxn>
+              <a:cxn ang="0">
+                <a:pos x="connsiteX23" y="connsiteY23"/>
+              </a:cxn>
+              <a:cxn ang="0">
+                <a:pos x="connsiteX24" y="connsiteY24"/>
+              </a:cxn>
+              <a:cxn ang="0">
+                <a:pos x="connsiteX25" y="connsiteY25"/>
+              </a:cxn>
+              <a:cxn ang="0">
+                <a:pos x="connsiteX26" y="connsiteY26"/>
+              </a:cxn>
+              <a:cxn ang="0">
+                <a:pos x="connsiteX27" y="connsiteY27"/>
+              </a:cxn>
+              <a:cxn ang="0">
+                <a:pos x="connsiteX28" y="connsiteY28"/>
+              </a:cxn>
+              <a:cxn ang="0">
+                <a:pos x="connsiteX29" y="connsiteY29"/>
+              </a:cxn>
+              <a:cxn ang="0">
+                <a:pos x="connsiteX30" y="connsiteY30"/>
+              </a:cxn>
+              <a:cxn ang="0">
+                <a:pos x="connsiteX31" y="connsiteY31"/>
+              </a:cxn>
+              <a:cxn ang="0">
+                <a:pos x="connsiteX32" y="connsiteY32"/>
+              </a:cxn>
+              <a:cxn ang="0">
+                <a:pos x="connsiteX33" y="connsiteY33"/>
+              </a:cxn>
+              <a:cxn ang="0">
+                <a:pos x="connsiteX34" y="connsiteY34"/>
+              </a:cxn>
+              <a:cxn ang="0">
+                <a:pos x="connsiteX35" y="connsiteY35"/>
+              </a:cxn>
+            </a:cxnLst>
+            <a:rect l="l" t="t" r="r" b="b"/>
+            <a:pathLst>
+              <a:path w="559472" h="3709642">
+                <a:moveTo>
+                  <a:pt x="0" y="0"/>
+                </a:moveTo>
+                <a:lnTo>
+                  <a:pt x="473952" y="0"/>
+                </a:lnTo>
+                <a:lnTo>
+                  <a:pt x="485840" y="161194"/>
+                </a:lnTo>
+                <a:cubicBezTo>
+                  <a:pt x="552063" y="1147770"/>
+                  <a:pt x="592441" y="3086737"/>
+                  <a:pt x="523949" y="3672197"/>
+                </a:cubicBezTo>
+                <a:cubicBezTo>
+                  <a:pt x="500842" y="3684557"/>
+                  <a:pt x="477855" y="3697282"/>
+                  <a:pt x="454748" y="3709642"/>
+                </a:cubicBezTo>
+                <a:lnTo>
+                  <a:pt x="448224" y="3510471"/>
+                </a:lnTo>
+                <a:lnTo>
+                  <a:pt x="443564" y="3408563"/>
+                </a:lnTo>
+                <a:lnTo>
+                  <a:pt x="438902" y="3304407"/>
+                </a:lnTo>
+                <a:lnTo>
+                  <a:pt x="433941" y="3198777"/>
+                </a:lnTo>
+                <a:lnTo>
+                  <a:pt x="427584" y="3092510"/>
+                </a:lnTo>
+                <a:lnTo>
+                  <a:pt x="420988" y="2984390"/>
+                </a:lnTo>
+                <a:lnTo>
+                  <a:pt x="414330" y="2874401"/>
+                </a:lnTo>
+                <a:lnTo>
+                  <a:pt x="406840" y="2762980"/>
+                </a:lnTo>
+                <a:lnTo>
+                  <a:pt x="397745" y="2650566"/>
+                </a:lnTo>
+                <a:lnTo>
+                  <a:pt x="389154" y="2536612"/>
+                </a:lnTo>
+                <a:lnTo>
+                  <a:pt x="379225" y="2421642"/>
+                </a:lnTo>
+                <a:lnTo>
+                  <a:pt x="368316" y="2305627"/>
+                </a:lnTo>
+                <a:lnTo>
+                  <a:pt x="357466" y="2189233"/>
+                </a:lnTo>
+                <a:lnTo>
+                  <a:pt x="344982" y="2071473"/>
+                </a:lnTo>
+                <a:lnTo>
+                  <a:pt x="332466" y="1952216"/>
+                </a:lnTo>
+                <a:lnTo>
+                  <a:pt x="319121" y="1833776"/>
+                </a:lnTo>
+                <a:lnTo>
+                  <a:pt x="304408" y="1713948"/>
+                </a:lnTo>
+                <a:lnTo>
+                  <a:pt x="288685" y="1592703"/>
+                </a:lnTo>
+                <a:lnTo>
+                  <a:pt x="273050" y="1471451"/>
+                </a:lnTo>
+                <a:lnTo>
+                  <a:pt x="255813" y="1350328"/>
+                </a:lnTo>
+                <a:lnTo>
+                  <a:pt x="237060" y="1227080"/>
+                </a:lnTo>
+                <a:lnTo>
+                  <a:pt x="218488" y="1106065"/>
+                </a:lnTo>
+                <a:lnTo>
+                  <a:pt x="198221" y="982940"/>
+                </a:lnTo>
+                <a:lnTo>
+                  <a:pt x="177152" y="858755"/>
+                </a:lnTo>
+                <a:lnTo>
+                  <a:pt x="155551" y="736861"/>
+                </a:lnTo>
+                <a:lnTo>
+                  <a:pt x="131782" y="613645"/>
+                </a:lnTo>
+                <a:lnTo>
+                  <a:pt x="107123" y="490500"/>
+                </a:lnTo>
+                <a:lnTo>
+                  <a:pt x="82552" y="367348"/>
+                </a:lnTo>
+                <a:lnTo>
+                  <a:pt x="55608" y="244762"/>
+                </a:lnTo>
+                <a:lnTo>
+                  <a:pt x="28130" y="122220"/>
+                </a:lnTo>
+                <a:lnTo>
+                  <a:pt x="0" y="0"/>
+                </a:lnTo>
+                <a:close/>
+              </a:path>
+            </a:pathLst>
+          </a:custGeom>
+          <a:solidFill>
+            <a:schemeClr val="bg1">
+              <a:alpha val="20000"/>
+            </a:schemeClr>
+          </a:solidFill>
+          <a:ln>
+            <a:noFill/>
+          </a:ln>
+        </p:spPr>
+        <p:txBody>
+          <a:bodyPr rtlCol="0" anchor="ctr"/>
+          <a:lstStyle/>
+          <a:p>
+            <a:pPr algn="ctr"/>
+            <a:endParaRPr lang="en-US"/>
+          </a:p>
+        </p:txBody>
+      </p:sp>
+      <p:sp useBgFill="1">
+        <p:nvSpPr>
+          <p:cNvPr id="14" name="Freeform: Shape 13">
+            <a:extLst>
+              <a:ext uri="{FF2B5EF4-FFF2-40B4-BE49-F238E27FC236}">
+                <a16:creationId xmlns:a16="http://schemas.microsoft.com/office/drawing/2014/main" id="{7DCB61BE-FA0F-4EFB-BE0E-268BAD8E30D6}"/>
+              </a:ext>
+              <a:ext uri="{C183D7F6-B498-43B3-948B-1728B52AA6E4}">
+                <adec:decorative xmlns:adec="http://schemas.microsoft.com/office/drawing/2017/decorative" val="1"/>
+              </a:ext>
+            </a:extLst>
+          </p:cNvPr>
+          <p:cNvSpPr>
+            <a:spLocks noGrp="1" noRot="1" noChangeAspect="1" noMove="1" noResize="1" noEditPoints="1" noAdjustHandles="1" noChangeArrowheads="1" noChangeShapeType="1" noTextEdit="1"/>
+          </p:cNvSpPr>
+          <p:nvPr>
+            <p:extLst>
+              <p:ext uri="{386F3935-93C4-4BCD-93E2-E3B085C9AB24}">
+                <p16:designElem xmlns:p16="http://schemas.microsoft.com/office/powerpoint/2015/main" val="1"/>
+              </p:ext>
+            </p:extLst>
+          </p:nvPr>
+        </p:nvSpPr>
+        <p:spPr bwMode="gray">
+          <a:xfrm rot="16200000">
+            <a:off x="4747655" y="-586345"/>
+            <a:ext cx="6858001" cy="8030691"/>
+          </a:xfrm>
+          <a:custGeom>
+            <a:avLst/>
+            <a:gdLst>
+              <a:gd name="connsiteX0" fmla="*/ 6858001 w 6858001"/>
+              <a:gd name="connsiteY0" fmla="*/ 1177 h 8030691"/>
+              <a:gd name="connsiteX1" fmla="*/ 6858001 w 6858001"/>
+              <a:gd name="connsiteY1" fmla="*/ 1344715 h 8030691"/>
+              <a:gd name="connsiteX2" fmla="*/ 6858000 w 6858001"/>
+              <a:gd name="connsiteY2" fmla="*/ 1344715 h 8030691"/>
+              <a:gd name="connsiteX3" fmla="*/ 6858000 w 6858001"/>
+              <a:gd name="connsiteY3" fmla="*/ 8030691 h 8030691"/>
+              <a:gd name="connsiteX4" fmla="*/ 0 w 6858001"/>
+              <a:gd name="connsiteY4" fmla="*/ 8030690 h 8030691"/>
+              <a:gd name="connsiteX5" fmla="*/ 0 w 6858001"/>
+              <a:gd name="connsiteY5" fmla="*/ 477747 h 8030691"/>
+              <a:gd name="connsiteX6" fmla="*/ 1 w 6858001"/>
+              <a:gd name="connsiteY6" fmla="*/ 477747 h 8030691"/>
+              <a:gd name="connsiteX7" fmla="*/ 1 w 6858001"/>
+              <a:gd name="connsiteY7" fmla="*/ 0 h 8030691"/>
+              <a:gd name="connsiteX8" fmla="*/ 40463 w 6858001"/>
+              <a:gd name="connsiteY8" fmla="*/ 5883 h 8030691"/>
+              <a:gd name="connsiteX9" fmla="*/ 159107 w 6858001"/>
+              <a:gd name="connsiteY9" fmla="*/ 23196 h 8030691"/>
+              <a:gd name="connsiteX10" fmla="*/ 245518 w 6858001"/>
+              <a:gd name="connsiteY10" fmla="*/ 35299 h 8030691"/>
+              <a:gd name="connsiteX11" fmla="*/ 348388 w 6858001"/>
+              <a:gd name="connsiteY11" fmla="*/ 48074 h 8030691"/>
+              <a:gd name="connsiteX12" fmla="*/ 470460 w 6858001"/>
+              <a:gd name="connsiteY12" fmla="*/ 63370 h 8030691"/>
+              <a:gd name="connsiteX13" fmla="*/ 605563 w 6858001"/>
+              <a:gd name="connsiteY13" fmla="*/ 79507 h 8030691"/>
+              <a:gd name="connsiteX14" fmla="*/ 757810 w 6858001"/>
+              <a:gd name="connsiteY14" fmla="*/ 96484 h 8030691"/>
+              <a:gd name="connsiteX15" fmla="*/ 923774 w 6858001"/>
+              <a:gd name="connsiteY15" fmla="*/ 114469 h 8030691"/>
+              <a:gd name="connsiteX16" fmla="*/ 1104139 w 6858001"/>
+              <a:gd name="connsiteY16" fmla="*/ 132455 h 8030691"/>
+              <a:gd name="connsiteX17" fmla="*/ 1296163 w 6858001"/>
+              <a:gd name="connsiteY17" fmla="*/ 150776 h 8030691"/>
+              <a:gd name="connsiteX18" fmla="*/ 1503275 w 6858001"/>
+              <a:gd name="connsiteY18" fmla="*/ 167753 h 8030691"/>
+              <a:gd name="connsiteX19" fmla="*/ 1719988 w 6858001"/>
+              <a:gd name="connsiteY19" fmla="*/ 184058 h 8030691"/>
+              <a:gd name="connsiteX20" fmla="*/ 1949045 w 6858001"/>
+              <a:gd name="connsiteY20" fmla="*/ 198850 h 8030691"/>
+              <a:gd name="connsiteX21" fmla="*/ 2187703 w 6858001"/>
+              <a:gd name="connsiteY21" fmla="*/ 212969 h 8030691"/>
+              <a:gd name="connsiteX22" fmla="*/ 2436649 w 6858001"/>
+              <a:gd name="connsiteY22" fmla="*/ 226249 h 8030691"/>
+              <a:gd name="connsiteX23" fmla="*/ 2564208 w 6858001"/>
+              <a:gd name="connsiteY23" fmla="*/ 230955 h 8030691"/>
+              <a:gd name="connsiteX24" fmla="*/ 2694509 w 6858001"/>
+              <a:gd name="connsiteY24" fmla="*/ 236166 h 8030691"/>
+              <a:gd name="connsiteX25" fmla="*/ 2826869 w 6858001"/>
+              <a:gd name="connsiteY25" fmla="*/ 241040 h 8030691"/>
+              <a:gd name="connsiteX26" fmla="*/ 2959914 w 6858001"/>
+              <a:gd name="connsiteY26" fmla="*/ 244234 h 8030691"/>
+              <a:gd name="connsiteX27" fmla="*/ 3095702 w 6858001"/>
+              <a:gd name="connsiteY27" fmla="*/ 247092 h 8030691"/>
+              <a:gd name="connsiteX28" fmla="*/ 3232862 w 6858001"/>
+              <a:gd name="connsiteY28" fmla="*/ 250117 h 8030691"/>
+              <a:gd name="connsiteX29" fmla="*/ 3372766 w 6858001"/>
+              <a:gd name="connsiteY29" fmla="*/ 252134 h 8030691"/>
+              <a:gd name="connsiteX30" fmla="*/ 3514040 w 6858001"/>
+              <a:gd name="connsiteY30" fmla="*/ 252134 h 8030691"/>
+              <a:gd name="connsiteX31" fmla="*/ 3656686 w 6858001"/>
+              <a:gd name="connsiteY31" fmla="*/ 253143 h 8030691"/>
+              <a:gd name="connsiteX32" fmla="*/ 3800705 w 6858001"/>
+              <a:gd name="connsiteY32" fmla="*/ 252134 h 8030691"/>
+              <a:gd name="connsiteX33" fmla="*/ 3946780 w 6858001"/>
+              <a:gd name="connsiteY33" fmla="*/ 250117 h 8030691"/>
+              <a:gd name="connsiteX34" fmla="*/ 4092856 w 6858001"/>
+              <a:gd name="connsiteY34" fmla="*/ 248268 h 8030691"/>
+              <a:gd name="connsiteX35" fmla="*/ 4240988 w 6858001"/>
+              <a:gd name="connsiteY35" fmla="*/ 244234 h 8030691"/>
+              <a:gd name="connsiteX36" fmla="*/ 4390492 w 6858001"/>
+              <a:gd name="connsiteY36" fmla="*/ 240032 h 8030691"/>
+              <a:gd name="connsiteX37" fmla="*/ 4539997 w 6858001"/>
+              <a:gd name="connsiteY37" fmla="*/ 235157 h 8030691"/>
+              <a:gd name="connsiteX38" fmla="*/ 4690873 w 6858001"/>
+              <a:gd name="connsiteY38" fmla="*/ 228266 h 8030691"/>
+              <a:gd name="connsiteX39" fmla="*/ 4843120 w 6858001"/>
+              <a:gd name="connsiteY39" fmla="*/ 220029 h 8030691"/>
+              <a:gd name="connsiteX40" fmla="*/ 4996054 w 6858001"/>
+              <a:gd name="connsiteY40" fmla="*/ 212129 h 8030691"/>
+              <a:gd name="connsiteX41" fmla="*/ 5148987 w 6858001"/>
+              <a:gd name="connsiteY41" fmla="*/ 202044 h 8030691"/>
+              <a:gd name="connsiteX42" fmla="*/ 5303978 w 6858001"/>
+              <a:gd name="connsiteY42" fmla="*/ 189941 h 8030691"/>
+              <a:gd name="connsiteX43" fmla="*/ 5456911 w 6858001"/>
+              <a:gd name="connsiteY43" fmla="*/ 177839 h 8030691"/>
+              <a:gd name="connsiteX44" fmla="*/ 5612588 w 6858001"/>
+              <a:gd name="connsiteY44" fmla="*/ 163887 h 8030691"/>
+              <a:gd name="connsiteX45" fmla="*/ 5768950 w 6858001"/>
+              <a:gd name="connsiteY45" fmla="*/ 148591 h 8030691"/>
+              <a:gd name="connsiteX46" fmla="*/ 5923255 w 6858001"/>
+              <a:gd name="connsiteY46" fmla="*/ 132455 h 8030691"/>
+              <a:gd name="connsiteX47" fmla="*/ 6079618 w 6858001"/>
+              <a:gd name="connsiteY47" fmla="*/ 113629 h 8030691"/>
+              <a:gd name="connsiteX48" fmla="*/ 6235294 w 6858001"/>
+              <a:gd name="connsiteY48" fmla="*/ 93458 h 8030691"/>
+              <a:gd name="connsiteX49" fmla="*/ 6391657 w 6858001"/>
+              <a:gd name="connsiteY49" fmla="*/ 73455 h 8030691"/>
+              <a:gd name="connsiteX50" fmla="*/ 6547333 w 6858001"/>
+              <a:gd name="connsiteY50" fmla="*/ 50091 h 8030691"/>
+              <a:gd name="connsiteX51" fmla="*/ 6702324 w 6858001"/>
+              <a:gd name="connsiteY51" fmla="*/ 26222 h 8030691"/>
+            </a:gdLst>
+            <a:ahLst/>
+            <a:cxnLst>
+              <a:cxn ang="0">
+                <a:pos x="connsiteX0" y="connsiteY0"/>
+              </a:cxn>
+              <a:cxn ang="0">
+                <a:pos x="connsiteX1" y="connsiteY1"/>
+              </a:cxn>
+              <a:cxn ang="0">
+                <a:pos x="connsiteX2" y="connsiteY2"/>
+              </a:cxn>
+              <a:cxn ang="0">
+                <a:pos x="connsiteX3" y="connsiteY3"/>
+              </a:cxn>
+              <a:cxn ang="0">
+                <a:pos x="connsiteX4" y="connsiteY4"/>
+              </a:cxn>
+              <a:cxn ang="0">
+                <a:pos x="connsiteX5" y="connsiteY5"/>
+              </a:cxn>
+              <a:cxn ang="0">
+                <a:pos x="connsiteX6" y="connsiteY6"/>
+              </a:cxn>
+              <a:cxn ang="0">
+                <a:pos x="connsiteX7" y="connsiteY7"/>
+              </a:cxn>
+              <a:cxn ang="0">
+                <a:pos x="connsiteX8" y="connsiteY8"/>
+              </a:cxn>
+              <a:cxn ang="0">
+                <a:pos x="connsiteX9" y="connsiteY9"/>
+              </a:cxn>
+              <a:cxn ang="0">
+                <a:pos x="connsiteX10" y="connsiteY10"/>
+              </a:cxn>
+              <a:cxn ang="0">
+                <a:pos x="connsiteX11" y="connsiteY11"/>
+              </a:cxn>
+              <a:cxn ang="0">
+                <a:pos x="connsiteX12" y="connsiteY12"/>
+              </a:cxn>
+              <a:cxn ang="0">
+                <a:pos x="connsiteX13" y="connsiteY13"/>
+              </a:cxn>
+              <a:cxn ang="0">
+                <a:pos x="connsiteX14" y="connsiteY14"/>
+              </a:cxn>
+              <a:cxn ang="0">
+                <a:pos x="connsiteX15" y="connsiteY15"/>
+              </a:cxn>
+              <a:cxn ang="0">
+                <a:pos x="connsiteX16" y="connsiteY16"/>
+              </a:cxn>
+              <a:cxn ang="0">
+                <a:pos x="connsiteX17" y="connsiteY17"/>
+              </a:cxn>
+              <a:cxn ang="0">
+                <a:pos x="connsiteX18" y="connsiteY18"/>
+              </a:cxn>
+              <a:cxn ang="0">
+                <a:pos x="connsiteX19" y="connsiteY19"/>
+              </a:cxn>
+              <a:cxn ang="0">
+                <a:pos x="connsiteX20" y="connsiteY20"/>
+              </a:cxn>
+              <a:cxn ang="0">
+                <a:pos x="connsiteX21" y="connsiteY21"/>
+              </a:cxn>
+              <a:cxn ang="0">
+                <a:pos x="connsiteX22" y="connsiteY22"/>
+              </a:cxn>
+              <a:cxn ang="0">
+                <a:pos x="connsiteX23" y="connsiteY23"/>
+              </a:cxn>
+              <a:cxn ang="0">
+                <a:pos x="connsiteX24" y="connsiteY24"/>
+              </a:cxn>
+              <a:cxn ang="0">
+                <a:pos x="connsiteX25" y="connsiteY25"/>
+              </a:cxn>
+              <a:cxn ang="0">
+                <a:pos x="connsiteX26" y="connsiteY26"/>
+              </a:cxn>
+              <a:cxn ang="0">
+                <a:pos x="connsiteX27" y="connsiteY27"/>
+              </a:cxn>
+              <a:cxn ang="0">
+                <a:pos x="connsiteX28" y="connsiteY28"/>
+              </a:cxn>
+              <a:cxn ang="0">
+                <a:pos x="connsiteX29" y="connsiteY29"/>
+              </a:cxn>
+              <a:cxn ang="0">
+                <a:pos x="connsiteX30" y="connsiteY30"/>
+              </a:cxn>
+              <a:cxn ang="0">
+                <a:pos x="connsiteX31" y="connsiteY31"/>
+              </a:cxn>
+              <a:cxn ang="0">
+                <a:pos x="connsiteX32" y="connsiteY32"/>
+              </a:cxn>
+              <a:cxn ang="0">
+                <a:pos x="connsiteX33" y="connsiteY33"/>
+              </a:cxn>
+              <a:cxn ang="0">
+                <a:pos x="connsiteX34" y="connsiteY34"/>
+              </a:cxn>
+              <a:cxn ang="0">
+                <a:pos x="connsiteX35" y="connsiteY35"/>
+              </a:cxn>
+              <a:cxn ang="0">
+                <a:pos x="connsiteX36" y="connsiteY36"/>
+              </a:cxn>
+              <a:cxn ang="0">
+                <a:pos x="connsiteX37" y="connsiteY37"/>
+              </a:cxn>
+              <a:cxn ang="0">
+                <a:pos x="connsiteX38" y="connsiteY38"/>
+              </a:cxn>
+              <a:cxn ang="0">
+                <a:pos x="connsiteX39" y="connsiteY39"/>
+              </a:cxn>
+              <a:cxn ang="0">
+                <a:pos x="connsiteX40" y="connsiteY40"/>
+              </a:cxn>
+              <a:cxn ang="0">
+                <a:pos x="connsiteX41" y="connsiteY41"/>
+              </a:cxn>
+              <a:cxn ang="0">
+                <a:pos x="connsiteX42" y="connsiteY42"/>
+              </a:cxn>
+              <a:cxn ang="0">
+                <a:pos x="connsiteX43" y="connsiteY43"/>
+              </a:cxn>
+              <a:cxn ang="0">
+                <a:pos x="connsiteX44" y="connsiteY44"/>
+              </a:cxn>
+              <a:cxn ang="0">
+                <a:pos x="connsiteX45" y="connsiteY45"/>
+              </a:cxn>
+              <a:cxn ang="0">
+                <a:pos x="connsiteX46" y="connsiteY46"/>
+              </a:cxn>
+              <a:cxn ang="0">
+                <a:pos x="connsiteX47" y="connsiteY47"/>
+              </a:cxn>
+              <a:cxn ang="0">
+                <a:pos x="connsiteX48" y="connsiteY48"/>
+              </a:cxn>
+              <a:cxn ang="0">
+                <a:pos x="connsiteX49" y="connsiteY49"/>
+              </a:cxn>
+              <a:cxn ang="0">
+                <a:pos x="connsiteX50" y="connsiteY50"/>
+              </a:cxn>
+              <a:cxn ang="0">
+                <a:pos x="connsiteX51" y="connsiteY51"/>
+              </a:cxn>
+            </a:cxnLst>
+            <a:rect l="l" t="t" r="r" b="b"/>
+            <a:pathLst>
+              <a:path w="6858001" h="8030691">
+                <a:moveTo>
+                  <a:pt x="6858001" y="1177"/>
+                </a:moveTo>
+                <a:lnTo>
+                  <a:pt x="6858001" y="1344715"/>
+                </a:lnTo>
+                <a:lnTo>
+                  <a:pt x="6858000" y="1344715"/>
+                </a:lnTo>
+                <a:lnTo>
+                  <a:pt x="6858000" y="8030691"/>
+                </a:lnTo>
+                <a:lnTo>
+                  <a:pt x="0" y="8030690"/>
+                </a:lnTo>
+                <a:lnTo>
+                  <a:pt x="0" y="477747"/>
+                </a:lnTo>
+                <a:lnTo>
+                  <a:pt x="1" y="477747"/>
+                </a:lnTo>
+                <a:lnTo>
+                  <a:pt x="1" y="0"/>
+                </a:lnTo>
+                <a:lnTo>
+                  <a:pt x="40463" y="5883"/>
+                </a:lnTo>
+                <a:lnTo>
+                  <a:pt x="159107" y="23196"/>
+                </a:lnTo>
+                <a:lnTo>
+                  <a:pt x="245518" y="35299"/>
+                </a:lnTo>
+                <a:lnTo>
+                  <a:pt x="348388" y="48074"/>
+                </a:lnTo>
+                <a:lnTo>
+                  <a:pt x="470460" y="63370"/>
+                </a:lnTo>
+                <a:lnTo>
+                  <a:pt x="605563" y="79507"/>
+                </a:lnTo>
+                <a:lnTo>
+                  <a:pt x="757810" y="96484"/>
+                </a:lnTo>
+                <a:lnTo>
+                  <a:pt x="923774" y="114469"/>
+                </a:lnTo>
+                <a:lnTo>
+                  <a:pt x="1104139" y="132455"/>
+                </a:lnTo>
+                <a:lnTo>
+                  <a:pt x="1296163" y="150776"/>
+                </a:lnTo>
+                <a:lnTo>
+                  <a:pt x="1503275" y="167753"/>
+                </a:lnTo>
+                <a:lnTo>
+                  <a:pt x="1719988" y="184058"/>
+                </a:lnTo>
+                <a:lnTo>
+                  <a:pt x="1949045" y="198850"/>
+                </a:lnTo>
+                <a:lnTo>
+                  <a:pt x="2187703" y="212969"/>
+                </a:lnTo>
+                <a:lnTo>
+                  <a:pt x="2436649" y="226249"/>
+                </a:lnTo>
+                <a:lnTo>
+                  <a:pt x="2564208" y="230955"/>
+                </a:lnTo>
+                <a:lnTo>
+                  <a:pt x="2694509" y="236166"/>
+                </a:lnTo>
+                <a:lnTo>
+                  <a:pt x="2826869" y="241040"/>
+                </a:lnTo>
+                <a:lnTo>
+                  <a:pt x="2959914" y="244234"/>
+                </a:lnTo>
+                <a:lnTo>
+                  <a:pt x="3095702" y="247092"/>
+                </a:lnTo>
+                <a:lnTo>
+                  <a:pt x="3232862" y="250117"/>
+                </a:lnTo>
+                <a:lnTo>
+                  <a:pt x="3372766" y="252134"/>
+                </a:lnTo>
+                <a:lnTo>
+                  <a:pt x="3514040" y="252134"/>
+                </a:lnTo>
+                <a:lnTo>
+                  <a:pt x="3656686" y="253143"/>
+                </a:lnTo>
+                <a:lnTo>
+                  <a:pt x="3800705" y="252134"/>
+                </a:lnTo>
+                <a:lnTo>
+                  <a:pt x="3946780" y="250117"/>
+                </a:lnTo>
+                <a:lnTo>
+                  <a:pt x="4092856" y="248268"/>
+                </a:lnTo>
+                <a:lnTo>
+                  <a:pt x="4240988" y="244234"/>
+                </a:lnTo>
+                <a:lnTo>
+                  <a:pt x="4390492" y="240032"/>
+                </a:lnTo>
+                <a:lnTo>
+                  <a:pt x="4539997" y="235157"/>
+                </a:lnTo>
+                <a:lnTo>
+                  <a:pt x="4690873" y="228266"/>
+                </a:lnTo>
+                <a:lnTo>
+                  <a:pt x="4843120" y="220029"/>
+                </a:lnTo>
+                <a:lnTo>
+                  <a:pt x="4996054" y="212129"/>
+                </a:lnTo>
+                <a:lnTo>
+                  <a:pt x="5148987" y="202044"/>
+                </a:lnTo>
+                <a:lnTo>
+                  <a:pt x="5303978" y="189941"/>
+                </a:lnTo>
+                <a:lnTo>
+                  <a:pt x="5456911" y="177839"/>
+                </a:lnTo>
+                <a:lnTo>
+                  <a:pt x="5612588" y="163887"/>
+                </a:lnTo>
+                <a:lnTo>
+                  <a:pt x="5768950" y="148591"/>
+                </a:lnTo>
+                <a:lnTo>
+                  <a:pt x="5923255" y="132455"/>
+                </a:lnTo>
+                <a:lnTo>
+                  <a:pt x="6079618" y="113629"/>
+                </a:lnTo>
+                <a:lnTo>
+                  <a:pt x="6235294" y="93458"/>
+                </a:lnTo>
+                <a:lnTo>
+                  <a:pt x="6391657" y="73455"/>
+                </a:lnTo>
+                <a:lnTo>
+                  <a:pt x="6547333" y="50091"/>
+                </a:lnTo>
+                <a:lnTo>
+                  <a:pt x="6702324" y="26222"/>
+                </a:lnTo>
+                <a:close/>
+              </a:path>
+            </a:pathLst>
+          </a:custGeom>
+          <a:ln>
+            <a:noFill/>
+          </a:ln>
+        </p:spPr>
+      </p:sp>
+      <p:sp>
+        <p:nvSpPr>
+          <p:cNvPr id="16" name="Rectangle 15">
+            <a:extLst>
+              <a:ext uri="{FF2B5EF4-FFF2-40B4-BE49-F238E27FC236}">
+                <a16:creationId xmlns:a16="http://schemas.microsoft.com/office/drawing/2014/main" id="{A4B31EAA-7423-46F7-9B90-4AB2B09C35C4}"/>
+              </a:ext>
+              <a:ext uri="{C183D7F6-B498-43B3-948B-1728B52AA6E4}">
+                <adec:decorative xmlns:adec="http://schemas.microsoft.com/office/drawing/2017/decorative" val="1"/>
+              </a:ext>
+            </a:extLst>
+          </p:cNvPr>
+          <p:cNvSpPr>
+            <a:spLocks noGrp="1" noRot="1" noChangeAspect="1" noMove="1" noResize="1" noEditPoints="1" noAdjustHandles="1" noChangeArrowheads="1" noChangeShapeType="1" noTextEdit="1"/>
+          </p:cNvSpPr>
+          <p:nvPr>
+            <p:extLst>
+              <p:ext uri="{386F3935-93C4-4BCD-93E2-E3B085C9AB24}">
+                <p16:designElem xmlns:p16="http://schemas.microsoft.com/office/powerpoint/2015/main" val="1"/>
+              </p:ext>
+            </p:extLst>
+          </p:nvPr>
+        </p:nvSpPr>
+        <p:spPr>
+          <a:xfrm>
+            <a:off x="10437812" y="0"/>
+            <a:ext cx="685800" cy="1143000"/>
+          </a:xfrm>
+          <a:prstGeom prst="rect">
+            <a:avLst/>
+          </a:prstGeom>
+          <a:solidFill>
+            <a:schemeClr val="accent1"/>
+          </a:solidFill>
+          <a:ln>
+            <a:noFill/>
+          </a:ln>
+        </p:spPr>
+        <p:style>
+          <a:lnRef idx="1">
+            <a:schemeClr val="accent1"/>
+          </a:lnRef>
+          <a:fillRef idx="3">
+            <a:schemeClr val="accent1"/>
+          </a:fillRef>
+          <a:effectRef idx="2">
+            <a:schemeClr val="accent1"/>
+          </a:effectRef>
+          <a:fontRef idx="minor">
+            <a:schemeClr val="lt1"/>
+          </a:fontRef>
+        </p:style>
       </p:sp>
       <p:sp>
         <p:nvSpPr>
@@ -9180,29 +11100,32 @@
             <p:ph idx="1"/>
           </p:nvPr>
         </p:nvSpPr>
-        <p:spPr/>
-        <p:txBody>
-          <a:bodyPr/>
+        <p:spPr>
+          <a:xfrm>
+            <a:off x="643855" y="3072385"/>
+            <a:ext cx="3108057" cy="2947415"/>
+          </a:xfrm>
+        </p:spPr>
+        <p:txBody>
+          <a:bodyPr>
+            <a:normAutofit/>
+          </a:bodyPr>
           <a:lstStyle/>
           <a:p>
             <a:r>
-              <a:rPr lang="el-GR" dirty="0"/>
-              <a:t>Για να προσομοιώσουμε φασματικές γραμμές σε ένα σήμα, μπορούμε να προσθέσουμε σε αυτό την συνάρτηση </a:t>
-            </a:r>
-            <a:r>
-              <a:rPr lang="el-GR" dirty="0" err="1"/>
-              <a:t>γκαουσιανής</a:t>
-            </a:r>
-            <a:r>
-              <a:rPr lang="el-GR" dirty="0"/>
-              <a:t> κατανομής.</a:t>
+              <a:rPr lang="el-GR" sz="1400">
+                <a:solidFill>
+                  <a:srgbClr val="FFFFFF"/>
+                </a:solidFill>
+              </a:rPr>
+              <a:t>Για να προσομοιώσουμε φασματικές γραμμές σε ένα σήμα, μπορούμε να προσθέσουμε σε αυτό την συνάρτηση γκαουσιανής κατανομής.</a:t>
             </a:r>
           </a:p>
         </p:txBody>
       </p:sp>
       <p:pic>
         <p:nvPicPr>
-          <p:cNvPr id="5" name="Εικόνα 4">
+          <p:cNvPr id="5" name="Εικόνα 4" descr="Εικόνα που περιέχει κείμενο, στιγμιότυπο οθόνης, γράφημα, γραμμή&#10;&#10;Περιγραφή που δημιουργήθηκε αυτόματα">
             <a:extLst>
               <a:ext uri="{FF2B5EF4-FFF2-40B4-BE49-F238E27FC236}">
                 <a16:creationId xmlns:a16="http://schemas.microsoft.com/office/drawing/2014/main" id="{D8A61F5D-C345-8B7D-BB2F-72BD89CDCE31}"/>
@@ -9222,12 +11145,13 @@
         </p:blipFill>
         <p:spPr>
           <a:xfrm>
-            <a:off x="1435821" y="3718478"/>
-            <a:ext cx="3431743" cy="2447227"/>
+            <a:off x="5087953" y="1447799"/>
+            <a:ext cx="6416843" cy="4572001"/>
           </a:xfrm>
           <a:prstGeom prst="rect">
             <a:avLst/>
           </a:prstGeom>
+          <a:effectLst/>
         </p:spPr>
       </p:pic>
     </p:spTree>
@@ -9238,7 +11162,7 @@
     </p:extLst>
   </p:cSld>
   <p:clrMapOvr>
-    <a:masterClrMapping/>
+    <a:overrideClrMapping bg1="lt1" tx1="dk1" bg2="lt2" tx2="dk2" accent1="accent1" accent2="accent2" accent3="accent3" accent4="accent4" accent5="accent5" accent6="accent6" hlink="hlink" folHlink="folHlink"/>
   </p:clrMapOvr>
 </p:sld>
 </file>
@@ -9265,7 +11189,7 @@
           <p:cNvPr id="2" name="Τίτλος 1">
             <a:extLst>
               <a:ext uri="{FF2B5EF4-FFF2-40B4-BE49-F238E27FC236}">
-                <a16:creationId xmlns:a16="http://schemas.microsoft.com/office/drawing/2014/main" id="{B51348B4-AC9E-CDC0-3BBD-3896D7B68877}"/>
+                <a16:creationId xmlns:a16="http://schemas.microsoft.com/office/drawing/2014/main" id="{FC7A959E-7E4A-3807-2E89-DD575B40B731}"/>
               </a:ext>
             </a:extLst>
           </p:cNvPr>
@@ -9281,7 +11205,10 @@
           <a:bodyPr/>
           <a:lstStyle/>
           <a:p>
-            <a:endParaRPr lang="en-US" dirty="0"/>
+            <a:r>
+              <a:rPr lang="en-US" dirty="0"/>
+              <a:t>T = 0,06 K</a:t>
+            </a:r>
           </a:p>
         </p:txBody>
       </p:sp>
@@ -9290,7 +11217,7 @@
           <p:cNvPr id="3" name="Θέση περιεχομένου 2">
             <a:extLst>
               <a:ext uri="{FF2B5EF4-FFF2-40B4-BE49-F238E27FC236}">
-                <a16:creationId xmlns:a16="http://schemas.microsoft.com/office/drawing/2014/main" id="{935AA49A-6E2F-79C4-8CBB-56789E8C8E93}"/>
+                <a16:creationId xmlns:a16="http://schemas.microsoft.com/office/drawing/2014/main" id="{2B531512-A9A5-8E1C-528B-E67AA37E5DC1}"/>
               </a:ext>
             </a:extLst>
           </p:cNvPr>
@@ -9306,16 +11233,16 @@
           <a:bodyPr/>
           <a:lstStyle/>
           <a:p>
-            <a:endParaRPr lang="en-US" dirty="0"/>
+            <a:endParaRPr lang="en-US"/>
           </a:p>
         </p:txBody>
       </p:sp>
       <p:pic>
         <p:nvPicPr>
-          <p:cNvPr id="4" name="Εικόνα 3">
+          <p:cNvPr id="5" name="Εικόνα 4">
             <a:extLst>
               <a:ext uri="{FF2B5EF4-FFF2-40B4-BE49-F238E27FC236}">
-                <a16:creationId xmlns:a16="http://schemas.microsoft.com/office/drawing/2014/main" id="{A3DD0B36-E8AE-6814-C960-8DCDC8BB25DB}"/>
+                <a16:creationId xmlns:a16="http://schemas.microsoft.com/office/drawing/2014/main" id="{5C2553CB-B041-78BD-7C8B-04AC6DA44D9F}"/>
               </a:ext>
             </a:extLst>
           </p:cNvPr>
@@ -9324,56 +11251,26 @@
           </p:cNvPicPr>
           <p:nvPr/>
         </p:nvPicPr>
-        <p:blipFill rotWithShape="1">
+        <p:blipFill>
           <a:blip r:embed="rId2"/>
-          <a:srcRect b="49712"/>
-          <a:stretch/>
+          <a:stretch>
+            <a:fillRect/>
+          </a:stretch>
         </p:blipFill>
         <p:spPr>
           <a:xfrm>
-            <a:off x="-1" y="1552150"/>
-            <a:ext cx="8338789" cy="2127039"/>
+            <a:off x="166687" y="2052918"/>
+            <a:ext cx="11858625" cy="4524375"/>
           </a:xfrm>
           <a:prstGeom prst="rect">
             <a:avLst/>
           </a:prstGeom>
-          <a:effectLst/>
-        </p:spPr>
-      </p:pic>
-      <p:pic>
-        <p:nvPicPr>
-          <p:cNvPr id="5" name="Εικόνα 4">
-            <a:extLst>
-              <a:ext uri="{FF2B5EF4-FFF2-40B4-BE49-F238E27FC236}">
-                <a16:creationId xmlns:a16="http://schemas.microsoft.com/office/drawing/2014/main" id="{9C687DCD-0BF7-054C-2C68-E743A86D910A}"/>
-              </a:ext>
-            </a:extLst>
-          </p:cNvPr>
-          <p:cNvPicPr>
-            <a:picLocks noChangeAspect="1"/>
-          </p:cNvPicPr>
-          <p:nvPr/>
-        </p:nvPicPr>
-        <p:blipFill rotWithShape="1">
-          <a:blip r:embed="rId3"/>
-          <a:srcRect b="49717"/>
-          <a:stretch/>
-        </p:blipFill>
-        <p:spPr>
-          <a:xfrm>
-            <a:off x="0" y="3679189"/>
-            <a:ext cx="8338788" cy="2169872"/>
-          </a:xfrm>
-          <a:prstGeom prst="rect">
-            <a:avLst/>
-          </a:prstGeom>
-          <a:effectLst/>
         </p:spPr>
       </p:pic>
     </p:spTree>
     <p:extLst>
       <p:ext uri="{BB962C8B-B14F-4D97-AF65-F5344CB8AC3E}">
-        <p14:creationId xmlns:p14="http://schemas.microsoft.com/office/powerpoint/2010/main" val="733503011"/>
+        <p14:creationId xmlns:p14="http://schemas.microsoft.com/office/powerpoint/2010/main" val="4221900736"/>
       </p:ext>
     </p:extLst>
   </p:cSld>
@@ -9402,10 +11299,10 @@
       </p:grpSpPr>
       <p:sp>
         <p:nvSpPr>
-          <p:cNvPr id="2" name="Title 1">
+          <p:cNvPr id="2" name="Τίτλος 1">
             <a:extLst>
               <a:ext uri="{FF2B5EF4-FFF2-40B4-BE49-F238E27FC236}">
-                <a16:creationId xmlns:a16="http://schemas.microsoft.com/office/drawing/2014/main" id="{32BDFBDA-32DB-AA4B-CFCC-40EB070FF37C}"/>
+                <a16:creationId xmlns:a16="http://schemas.microsoft.com/office/drawing/2014/main" id="{416EA358-BFE5-9B28-CF7C-5BB7F1EA198D}"/>
               </a:ext>
             </a:extLst>
           </p:cNvPr>
@@ -9422,22 +11319,22 @@
           <a:lstStyle/>
           <a:p>
             <a:r>
-              <a:rPr lang="el-GR" sz="4400" dirty="0"/>
-              <a:t>Αφαίρεση Φασματικών Γραμμών – Μέθοδος «Όρια Τιμών»</a:t>
-            </a:r>
-            <a:br>
-              <a:rPr lang="el-GR" sz="4400" dirty="0"/>
-            </a:br>
-            <a:endParaRPr lang="el-GR" dirty="0"/>
-          </a:p>
-        </p:txBody>
-      </p:sp>
-      <p:sp>
-        <p:nvSpPr>
-          <p:cNvPr id="3" name="Content Placeholder 2">
+              <a:rPr lang="el-GR" dirty="0"/>
+              <a:t>Τ = 1</a:t>
+            </a:r>
+            <a:r>
+              <a:rPr lang="en-US" dirty="0"/>
+              <a:t>0.000 K</a:t>
+            </a:r>
+          </a:p>
+        </p:txBody>
+      </p:sp>
+      <p:sp>
+        <p:nvSpPr>
+          <p:cNvPr id="3" name="Θέση περιεχομένου 2">
             <a:extLst>
               <a:ext uri="{FF2B5EF4-FFF2-40B4-BE49-F238E27FC236}">
-                <a16:creationId xmlns:a16="http://schemas.microsoft.com/office/drawing/2014/main" id="{9572B816-5022-9400-AF22-1CCEA0AFD31A}"/>
+                <a16:creationId xmlns:a16="http://schemas.microsoft.com/office/drawing/2014/main" id="{F6AD1814-F570-A743-9A65-D8EEB447810F}"/>
               </a:ext>
             </a:extLst>
           </p:cNvPr>
@@ -9453,43 +11350,44 @@
           <a:bodyPr/>
           <a:lstStyle/>
           <a:p>
-            <a:r>
-              <a:rPr lang="el-GR" dirty="0"/>
-              <a:t>Αυτή η μέθοδος εντοπίζει μια φασματική γραμμή ανιχνεύοντας τιμές του σήματος που απέχουν περισσότερο από τις πιο συχνές τιμές.</a:t>
-            </a:r>
-          </a:p>
-          <a:p>
-            <a:r>
-              <a:rPr lang="el-GR" dirty="0"/>
-              <a:t>Για να μπορέσουμε να συγκρίνουμε τις τιμές μεταξύ τους πρέπει να </a:t>
-            </a:r>
-            <a:r>
-              <a:rPr lang="el-GR" dirty="0" err="1"/>
-              <a:t>κανονικοποιήσουμε</a:t>
-            </a:r>
-            <a:r>
-              <a:rPr lang="el-GR" dirty="0"/>
-              <a:t> το σήμα. Οπότε υπολογίζουμε μια προσέγγιση και διαιρούμε το σήμα με αυτή. </a:t>
-            </a:r>
-          </a:p>
-          <a:p>
-            <a:r>
-              <a:rPr lang="el-GR" dirty="0"/>
-              <a:t>Έπειτα υπολογίζουμε ποιες τιμές είναι πιο συχνές με την βοήθεια ενός ιστογράμματος και ορίζουμε ένα διάστημα μεσαίων τιμών</a:t>
-            </a:r>
-          </a:p>
-          <a:p>
-            <a:r>
-              <a:rPr lang="el-GR" dirty="0"/>
-              <a:t>Με την βοήθεια του ορισμένου διαστήματος βρίσκουμε το μεγαλύτερο συνεκτικό διάστημα σημείων εκτός των μεσαίων τιμών, το οποίο είναι και η φασματική γραμμή </a:t>
-            </a:r>
-          </a:p>
-        </p:txBody>
-      </p:sp>
+            <a:endParaRPr lang="en-US"/>
+          </a:p>
+        </p:txBody>
+      </p:sp>
+      <p:pic>
+        <p:nvPicPr>
+          <p:cNvPr id="7" name="Εικόνα 6">
+            <a:extLst>
+              <a:ext uri="{FF2B5EF4-FFF2-40B4-BE49-F238E27FC236}">
+                <a16:creationId xmlns:a16="http://schemas.microsoft.com/office/drawing/2014/main" id="{49E6A96F-A0C0-B56A-EB95-0643AB943E9C}"/>
+              </a:ext>
+            </a:extLst>
+          </p:cNvPr>
+          <p:cNvPicPr>
+            <a:picLocks noChangeAspect="1"/>
+          </p:cNvPicPr>
+          <p:nvPr/>
+        </p:nvPicPr>
+        <p:blipFill>
+          <a:blip r:embed="rId2"/>
+          <a:stretch>
+            <a:fillRect/>
+          </a:stretch>
+        </p:blipFill>
+        <p:spPr>
+          <a:xfrm>
+            <a:off x="176212" y="2052918"/>
+            <a:ext cx="11839575" cy="4524375"/>
+          </a:xfrm>
+          <a:prstGeom prst="rect">
+            <a:avLst/>
+          </a:prstGeom>
+        </p:spPr>
+      </p:pic>
     </p:spTree>
     <p:extLst>
       <p:ext uri="{BB962C8B-B14F-4D97-AF65-F5344CB8AC3E}">
-        <p14:creationId xmlns:p14="http://schemas.microsoft.com/office/powerpoint/2010/main" val="3438613273"/>
+        <p14:creationId xmlns:p14="http://schemas.microsoft.com/office/powerpoint/2010/main" val="4008336656"/>
       </p:ext>
     </p:extLst>
   </p:cSld>
@@ -9521,7 +11419,7 @@
           <p:cNvPr id="2" name="Τίτλος 1">
             <a:extLst>
               <a:ext uri="{FF2B5EF4-FFF2-40B4-BE49-F238E27FC236}">
-                <a16:creationId xmlns:a16="http://schemas.microsoft.com/office/drawing/2014/main" id="{D9B4BAD8-C528-FCDB-3289-845789EB6D46}"/>
+                <a16:creationId xmlns:a16="http://schemas.microsoft.com/office/drawing/2014/main" id="{59E7A714-7559-6D34-BBC8-E191F59045C8}"/>
               </a:ext>
             </a:extLst>
           </p:cNvPr>
@@ -9546,7 +11444,7 @@
           <p:cNvPr id="3" name="Θέση περιεχομένου 2">
             <a:extLst>
               <a:ext uri="{FF2B5EF4-FFF2-40B4-BE49-F238E27FC236}">
-                <a16:creationId xmlns:a16="http://schemas.microsoft.com/office/drawing/2014/main" id="{905C3407-A3A1-6515-E269-755FEE43EFD1}"/>
+                <a16:creationId xmlns:a16="http://schemas.microsoft.com/office/drawing/2014/main" id="{D068D27A-1290-9710-B900-54F4F070FAEA}"/>
               </a:ext>
             </a:extLst>
           </p:cNvPr>
@@ -9571,7 +11469,7 @@
           <p:cNvPr id="5" name="Εικόνα 4">
             <a:extLst>
               <a:ext uri="{FF2B5EF4-FFF2-40B4-BE49-F238E27FC236}">
-                <a16:creationId xmlns:a16="http://schemas.microsoft.com/office/drawing/2014/main" id="{CCB592BC-1DA7-40CE-89F4-2EF3DDF1ABA5}"/>
+                <a16:creationId xmlns:a16="http://schemas.microsoft.com/office/drawing/2014/main" id="{FD489B88-6685-FDA2-BB8C-2848426E9592}"/>
               </a:ext>
             </a:extLst>
           </p:cNvPr>
@@ -9588,8 +11486,8 @@
         </p:blipFill>
         <p:spPr>
           <a:xfrm>
-            <a:off x="0" y="294857"/>
-            <a:ext cx="12192000" cy="6268286"/>
+            <a:off x="0" y="272077"/>
+            <a:ext cx="12192000" cy="6313846"/>
           </a:xfrm>
           <a:prstGeom prst="rect">
             <a:avLst/>
@@ -9599,7 +11497,7 @@
     </p:spTree>
     <p:extLst>
       <p:ext uri="{BB962C8B-B14F-4D97-AF65-F5344CB8AC3E}">
-        <p14:creationId xmlns:p14="http://schemas.microsoft.com/office/powerpoint/2010/main" val="2801982286"/>
+        <p14:creationId xmlns:p14="http://schemas.microsoft.com/office/powerpoint/2010/main" val="2378404525"/>
       </p:ext>
     </p:extLst>
   </p:cSld>
